--- a/01-Programming Fundamentals.pptx
+++ b/01-Programming Fundamentals.pptx
@@ -5,7 +5,7 @@
     <p:sldMasterId id="2147483648" r:id="rId1"/>
   </p:sldMasterIdLst>
   <p:notesMasterIdLst>
-    <p:notesMasterId r:id="rId36"/>
+    <p:notesMasterId r:id="rId35"/>
   </p:notesMasterIdLst>
   <p:sldIdLst>
     <p:sldId id="256" r:id="rId2"/>
@@ -25,23 +25,22 @@
     <p:sldId id="270" r:id="rId16"/>
     <p:sldId id="271" r:id="rId17"/>
     <p:sldId id="272" r:id="rId18"/>
-    <p:sldId id="273" r:id="rId19"/>
-    <p:sldId id="274" r:id="rId20"/>
-    <p:sldId id="275" r:id="rId21"/>
-    <p:sldId id="276" r:id="rId22"/>
-    <p:sldId id="277" r:id="rId23"/>
-    <p:sldId id="278" r:id="rId24"/>
-    <p:sldId id="279" r:id="rId25"/>
-    <p:sldId id="280" r:id="rId26"/>
-    <p:sldId id="281" r:id="rId27"/>
-    <p:sldId id="282" r:id="rId28"/>
-    <p:sldId id="283" r:id="rId29"/>
-    <p:sldId id="284" r:id="rId30"/>
-    <p:sldId id="285" r:id="rId31"/>
-    <p:sldId id="286" r:id="rId32"/>
-    <p:sldId id="287" r:id="rId33"/>
-    <p:sldId id="288" r:id="rId34"/>
-    <p:sldId id="289" r:id="rId35"/>
+    <p:sldId id="274" r:id="rId19"/>
+    <p:sldId id="275" r:id="rId20"/>
+    <p:sldId id="276" r:id="rId21"/>
+    <p:sldId id="277" r:id="rId22"/>
+    <p:sldId id="278" r:id="rId23"/>
+    <p:sldId id="279" r:id="rId24"/>
+    <p:sldId id="280" r:id="rId25"/>
+    <p:sldId id="281" r:id="rId26"/>
+    <p:sldId id="282" r:id="rId27"/>
+    <p:sldId id="283" r:id="rId28"/>
+    <p:sldId id="284" r:id="rId29"/>
+    <p:sldId id="285" r:id="rId30"/>
+    <p:sldId id="286" r:id="rId31"/>
+    <p:sldId id="287" r:id="rId32"/>
+    <p:sldId id="288" r:id="rId33"/>
+    <p:sldId id="289" r:id="rId34"/>
   </p:sldIdLst>
   <p:sldSz cx="12192000" cy="6858000"/>
   <p:notesSz cx="6858000" cy="9144000"/>
@@ -230,7 +229,7 @@
           <a:p>
             <a:fld id="{EE63C020-A11B-B048-B030-25C43ED4E8CE}" type="datetimeFigureOut">
               <a:rPr lang="en-US" smtClean="0"/>
-              <a:t>11/2/19</a:t>
+              <a:t>11/23/19</a:t>
             </a:fld>
             <a:endParaRPr lang="en-US"/>
           </a:p>
@@ -562,7 +561,7 @@
           <a:p>
             <a:fld id="{1A47CD26-F1D7-F742-8560-1B48FD6374EA}" type="slidenum">
               <a:rPr lang="en-US" smtClean="0"/>
-              <a:t>25</a:t>
+              <a:t>24</a:t>
             </a:fld>
             <a:endParaRPr lang="en-US"/>
           </a:p>
@@ -695,7 +694,13 @@
       </p:sp>
       <p:sp>
         <p:nvSpPr>
-          <p:cNvPr id="4" name="Date Placeholder 3"/>
+          <p:cNvPr id="8" name="Date Placeholder 7">
+            <a:extLst>
+              <a:ext uri="{FF2B5EF4-FFF2-40B4-BE49-F238E27FC236}">
+                <a16:creationId xmlns:a16="http://schemas.microsoft.com/office/drawing/2014/main" id="{B167ECB8-EDDC-3A4E-B0E2-CFB075BBDE90}"/>
+              </a:ext>
+            </a:extLst>
+          </p:cNvPr>
           <p:cNvSpPr>
             <a:spLocks noGrp="1"/>
           </p:cNvSpPr>
@@ -708,9 +713,9 @@
           <a:bodyPr/>
           <a:lstStyle/>
           <a:p>
-            <a:fld id="{D154277B-EAAD-F24B-9A75-1BBD5B59844E}" type="datetimeFigureOut">
+            <a:fld id="{A071BB20-539B-6844-9D07-435DA28303F8}" type="datetime1">
               <a:rPr lang="en-US" smtClean="0"/>
-              <a:t>11/2/19</a:t>
+              <a:t>11/23/19</a:t>
             </a:fld>
             <a:endParaRPr lang="en-US"/>
           </a:p>
@@ -718,7 +723,13 @@
       </p:sp>
       <p:sp>
         <p:nvSpPr>
-          <p:cNvPr id="5" name="Footer Placeholder 4"/>
+          <p:cNvPr id="9" name="Footer Placeholder 8">
+            <a:extLst>
+              <a:ext uri="{FF2B5EF4-FFF2-40B4-BE49-F238E27FC236}">
+                <a16:creationId xmlns:a16="http://schemas.microsoft.com/office/drawing/2014/main" id="{B05B9946-C619-BA4A-958D-01EB23AAB87C}"/>
+              </a:ext>
+            </a:extLst>
+          </p:cNvPr>
           <p:cNvSpPr>
             <a:spLocks noGrp="1"/>
           </p:cNvSpPr>
@@ -737,7 +748,13 @@
       </p:sp>
       <p:sp>
         <p:nvSpPr>
-          <p:cNvPr id="6" name="Slide Number Placeholder 5"/>
+          <p:cNvPr id="10" name="Slide Number Placeholder 9">
+            <a:extLst>
+              <a:ext uri="{FF2B5EF4-FFF2-40B4-BE49-F238E27FC236}">
+                <a16:creationId xmlns:a16="http://schemas.microsoft.com/office/drawing/2014/main" id="{E055D643-AB41-6B43-9BFE-B3CD86BAD2C7}"/>
+              </a:ext>
+            </a:extLst>
+          </p:cNvPr>
           <p:cNvSpPr>
             <a:spLocks noGrp="1"/>
           </p:cNvSpPr>
@@ -876,9 +893,9 @@
           <a:bodyPr/>
           <a:lstStyle/>
           <a:p>
-            <a:fld id="{D154277B-EAAD-F24B-9A75-1BBD5B59844E}" type="datetimeFigureOut">
+            <a:fld id="{8E98D29C-E043-4548-8C9C-64C1B4EA688B}" type="datetime1">
               <a:rPr lang="en-US" smtClean="0"/>
-              <a:t>11/2/19</a:t>
+              <a:t>11/23/19</a:t>
             </a:fld>
             <a:endParaRPr lang="en-US"/>
           </a:p>
@@ -1054,9 +1071,9 @@
           <a:bodyPr/>
           <a:lstStyle/>
           <a:p>
-            <a:fld id="{D154277B-EAAD-F24B-9A75-1BBD5B59844E}" type="datetimeFigureOut">
+            <a:fld id="{86A1C84F-0B8D-204A-A250-921C9BDE3C5D}" type="datetime1">
               <a:rPr lang="en-US" smtClean="0"/>
-              <a:t>11/2/19</a:t>
+              <a:t>11/23/19</a:t>
             </a:fld>
             <a:endParaRPr lang="en-US"/>
           </a:p>
@@ -1222,9 +1239,9 @@
           <a:bodyPr/>
           <a:lstStyle/>
           <a:p>
-            <a:fld id="{D154277B-EAAD-F24B-9A75-1BBD5B59844E}" type="datetimeFigureOut">
+            <a:fld id="{CBACB1D7-8C32-BD43-94A9-67C696799E1C}" type="datetime1">
               <a:rPr lang="en-US" smtClean="0"/>
-              <a:t>11/2/19</a:t>
+              <a:t>11/23/19</a:t>
             </a:fld>
             <a:endParaRPr lang="en-US"/>
           </a:p>
@@ -1467,9 +1484,9 @@
           <a:bodyPr/>
           <a:lstStyle/>
           <a:p>
-            <a:fld id="{D154277B-EAAD-F24B-9A75-1BBD5B59844E}" type="datetimeFigureOut">
+            <a:fld id="{AF5D1183-1DF5-4741-925B-62F28E784E48}" type="datetime1">
               <a:rPr lang="en-US" smtClean="0"/>
-              <a:t>11/2/19</a:t>
+              <a:t>11/23/19</a:t>
             </a:fld>
             <a:endParaRPr lang="en-US"/>
           </a:p>
@@ -1696,9 +1713,9 @@
           <a:bodyPr/>
           <a:lstStyle/>
           <a:p>
-            <a:fld id="{D154277B-EAAD-F24B-9A75-1BBD5B59844E}" type="datetimeFigureOut">
+            <a:fld id="{1BC55266-31B4-0546-8CDB-DF8976C371B7}" type="datetime1">
               <a:rPr lang="en-US" smtClean="0"/>
-              <a:t>11/2/19</a:t>
+              <a:t>11/23/19</a:t>
             </a:fld>
             <a:endParaRPr lang="en-US"/>
           </a:p>
@@ -2060,9 +2077,9 @@
           <a:bodyPr/>
           <a:lstStyle/>
           <a:p>
-            <a:fld id="{D154277B-EAAD-F24B-9A75-1BBD5B59844E}" type="datetimeFigureOut">
+            <a:fld id="{5EC6D272-30B2-C344-88D3-734B7C6514DE}" type="datetime1">
               <a:rPr lang="en-US" smtClean="0"/>
-              <a:t>11/2/19</a:t>
+              <a:t>11/23/19</a:t>
             </a:fld>
             <a:endParaRPr lang="en-US"/>
           </a:p>
@@ -2177,9 +2194,9 @@
           <a:bodyPr/>
           <a:lstStyle/>
           <a:p>
-            <a:fld id="{D154277B-EAAD-F24B-9A75-1BBD5B59844E}" type="datetimeFigureOut">
+            <a:fld id="{718A9704-79DB-3C4F-9D5B-A51B36D10D36}" type="datetime1">
               <a:rPr lang="en-US" smtClean="0"/>
-              <a:t>11/2/19</a:t>
+              <a:t>11/23/19</a:t>
             </a:fld>
             <a:endParaRPr lang="en-US"/>
           </a:p>
@@ -2272,9 +2289,9 @@
           <a:bodyPr/>
           <a:lstStyle/>
           <a:p>
-            <a:fld id="{D154277B-EAAD-F24B-9A75-1BBD5B59844E}" type="datetimeFigureOut">
+            <a:fld id="{D2CEFB66-1157-8842-8D7A-0D2C2628DB47}" type="datetime1">
               <a:rPr lang="en-US" smtClean="0"/>
-              <a:t>11/2/19</a:t>
+              <a:t>11/23/19</a:t>
             </a:fld>
             <a:endParaRPr lang="en-US"/>
           </a:p>
@@ -2547,9 +2564,9 @@
           <a:bodyPr/>
           <a:lstStyle/>
           <a:p>
-            <a:fld id="{D154277B-EAAD-F24B-9A75-1BBD5B59844E}" type="datetimeFigureOut">
+            <a:fld id="{28EC7E25-5F85-9C46-93EF-1AA0B42B2CE4}" type="datetime1">
               <a:rPr lang="en-US" smtClean="0"/>
-              <a:t>11/2/19</a:t>
+              <a:t>11/23/19</a:t>
             </a:fld>
             <a:endParaRPr lang="en-US"/>
           </a:p>
@@ -2799,9 +2816,9 @@
           <a:bodyPr/>
           <a:lstStyle/>
           <a:p>
-            <a:fld id="{D154277B-EAAD-F24B-9A75-1BBD5B59844E}" type="datetimeFigureOut">
+            <a:fld id="{BDFD61F9-73B9-F542-8A78-25C5439D64D5}" type="datetime1">
               <a:rPr lang="en-US" smtClean="0"/>
-              <a:t>11/2/19</a:t>
+              <a:t>11/23/19</a:t>
             </a:fld>
             <a:endParaRPr lang="en-US"/>
           </a:p>
@@ -3010,9 +3027,9 @@
             </a:lvl1pPr>
           </a:lstStyle>
           <a:p>
-            <a:fld id="{D154277B-EAAD-F24B-9A75-1BBD5B59844E}" type="datetimeFigureOut">
+            <a:fld id="{91D69F67-F707-ED4A-8C17-FBD4894D0581}" type="datetime1">
               <a:rPr lang="en-US" smtClean="0"/>
-              <a:t>11/2/19</a:t>
+              <a:t>11/23/19</a:t>
             </a:fld>
             <a:endParaRPr lang="en-US"/>
           </a:p>
@@ -3117,6 +3134,7 @@
     <p:sldLayoutId id="2147483658" r:id="rId10"/>
     <p:sldLayoutId id="2147483659" r:id="rId11"/>
   </p:sldLayoutIdLst>
+  <p:hf hdr="0" ftr="0" dt="0"/>
   <p:txStyles>
     <p:titleStyle>
       <a:lvl1pPr algn="l" defTabSz="914400" rtl="0" eaLnBrk="1" latinLnBrk="0" hangingPunct="1">
@@ -3465,10 +3483,45 @@
             </a:r>
           </a:p>
           <a:p>
+            <a:r>
+              <a:rPr lang="en-US" i="1" dirty="0"/>
+              <a:t>Chapter 1</a:t>
+            </a:r>
+          </a:p>
+          <a:p>
             <a:endParaRPr lang="en-US" dirty="0"/>
           </a:p>
           <a:p>
             <a:endParaRPr lang="en-US" dirty="0"/>
+          </a:p>
+        </p:txBody>
+      </p:sp>
+      <p:sp>
+        <p:nvSpPr>
+          <p:cNvPr id="4" name="Slide Number Placeholder 3">
+            <a:extLst>
+              <a:ext uri="{FF2B5EF4-FFF2-40B4-BE49-F238E27FC236}">
+                <a16:creationId xmlns:a16="http://schemas.microsoft.com/office/drawing/2014/main" id="{B6322616-9B80-7D4F-909F-0A242592C72E}"/>
+              </a:ext>
+            </a:extLst>
+          </p:cNvPr>
+          <p:cNvSpPr>
+            <a:spLocks noGrp="1"/>
+          </p:cNvSpPr>
+          <p:nvPr>
+            <p:ph type="sldNum" sz="quarter" idx="12"/>
+          </p:nvPr>
+        </p:nvSpPr>
+        <p:spPr/>
+        <p:txBody>
+          <a:bodyPr/>
+          <a:lstStyle/>
+          <a:p>
+            <a:fld id="{2352C00A-4D4A-1B4A-BF5A-FD34A7F77AA7}" type="slidenum">
+              <a:rPr lang="en-US" smtClean="0"/>
+              <a:t>1</a:t>
+            </a:fld>
+            <a:endParaRPr lang="en-US"/>
           </a:p>
         </p:txBody>
       </p:sp>
@@ -3587,6 +3640,35 @@
           </a:prstGeom>
         </p:spPr>
       </p:pic>
+      <p:sp>
+        <p:nvSpPr>
+          <p:cNvPr id="5" name="Slide Number Placeholder 4">
+            <a:extLst>
+              <a:ext uri="{FF2B5EF4-FFF2-40B4-BE49-F238E27FC236}">
+                <a16:creationId xmlns:a16="http://schemas.microsoft.com/office/drawing/2014/main" id="{325AA1F3-2EC0-904A-A623-4494C526F465}"/>
+              </a:ext>
+            </a:extLst>
+          </p:cNvPr>
+          <p:cNvSpPr>
+            <a:spLocks noGrp="1"/>
+          </p:cNvSpPr>
+          <p:nvPr>
+            <p:ph type="sldNum" sz="quarter" idx="12"/>
+          </p:nvPr>
+        </p:nvSpPr>
+        <p:spPr/>
+        <p:txBody>
+          <a:bodyPr/>
+          <a:lstStyle/>
+          <a:p>
+            <a:fld id="{2352C00A-4D4A-1B4A-BF5A-FD34A7F77AA7}" type="slidenum">
+              <a:rPr lang="en-US" smtClean="0"/>
+              <a:t>10</a:t>
+            </a:fld>
+            <a:endParaRPr lang="en-US"/>
+          </a:p>
+        </p:txBody>
+      </p:sp>
     </p:spTree>
     <p:extLst>
       <p:ext uri="{BB962C8B-B14F-4D97-AF65-F5344CB8AC3E}">
@@ -3669,7 +3751,15 @@
             </a:pPr>
             <a:r>
               <a:rPr lang="en-US" dirty="0"/>
-              <a:t>Variables are nothing but reserved memory locations to store values. This means that when you create a variable you reserve some space in the memory.</a:t>
+              <a:t>Variables are nothing but reserved memory locations to store values. </a:t>
+            </a:r>
+            <a:r>
+              <a:rPr lang="en-US" dirty="0">
+                <a:solidFill>
+                  <a:srgbClr val="FF0000"/>
+                </a:solidFill>
+              </a:rPr>
+              <a:t>This means that when you create a variable you reserve some space in the memory.</a:t>
             </a:r>
           </a:p>
           <a:p>
@@ -3677,7 +3767,11 @@
               <a:buNone/>
             </a:pPr>
             <a:r>
-              <a:rPr lang="en-US" dirty="0"/>
+              <a:rPr lang="en-US" dirty="0">
+                <a:solidFill>
+                  <a:srgbClr val="FF0000"/>
+                </a:solidFill>
+              </a:rPr>
               <a:t>Based on the data type of a variable, the operating system allocates memory and decides what can be stored in the reserved memory. Therefore, by assigning different data types to variables, you can store integers, decimals, or characters in these variables.</a:t>
             </a:r>
           </a:p>
@@ -3715,6 +3809,35 @@
               <a:buNone/>
             </a:pPr>
             <a:endParaRPr lang="en-US" dirty="0"/>
+          </a:p>
+        </p:txBody>
+      </p:sp>
+      <p:sp>
+        <p:nvSpPr>
+          <p:cNvPr id="4" name="Slide Number Placeholder 3">
+            <a:extLst>
+              <a:ext uri="{FF2B5EF4-FFF2-40B4-BE49-F238E27FC236}">
+                <a16:creationId xmlns:a16="http://schemas.microsoft.com/office/drawing/2014/main" id="{1BF3A4CC-1B9C-574E-B44A-503120930204}"/>
+              </a:ext>
+            </a:extLst>
+          </p:cNvPr>
+          <p:cNvSpPr>
+            <a:spLocks noGrp="1"/>
+          </p:cNvSpPr>
+          <p:nvPr>
+            <p:ph type="sldNum" sz="quarter" idx="12"/>
+          </p:nvPr>
+        </p:nvSpPr>
+        <p:spPr/>
+        <p:txBody>
+          <a:bodyPr/>
+          <a:lstStyle/>
+          <a:p>
+            <a:fld id="{2352C00A-4D4A-1B4A-BF5A-FD34A7F77AA7}" type="slidenum">
+              <a:rPr lang="en-US" smtClean="0"/>
+              <a:t>11</a:t>
+            </a:fld>
+            <a:endParaRPr lang="en-US"/>
           </a:p>
         </p:txBody>
       </p:sp>
@@ -3838,19 +3961,31 @@
           </a:p>
           <a:p>
             <a:r>
-              <a:rPr lang="en-US" dirty="0"/>
+              <a:rPr lang="en-US" dirty="0">
+                <a:solidFill>
+                  <a:srgbClr val="FF0000"/>
+                </a:solidFill>
+              </a:rPr>
               <a:t>Minimum value is -128 (-2^7)</a:t>
             </a:r>
           </a:p>
           <a:p>
             <a:r>
-              <a:rPr lang="en-US" dirty="0"/>
+              <a:rPr lang="en-US" dirty="0">
+                <a:solidFill>
+                  <a:srgbClr val="FF0000"/>
+                </a:solidFill>
+              </a:rPr>
               <a:t>Maximum value is 127 (inclusive)(2^7 -1)</a:t>
             </a:r>
           </a:p>
           <a:p>
             <a:r>
-              <a:rPr lang="en-US" dirty="0"/>
+              <a:rPr lang="en-US" dirty="0">
+                <a:solidFill>
+                  <a:srgbClr val="FF0000"/>
+                </a:solidFill>
+              </a:rPr>
               <a:t>Default value is 0</a:t>
             </a:r>
           </a:p>
@@ -3865,6 +4000,35 @@
               <a:buNone/>
             </a:pPr>
             <a:endParaRPr lang="en-US" dirty="0"/>
+          </a:p>
+        </p:txBody>
+      </p:sp>
+      <p:sp>
+        <p:nvSpPr>
+          <p:cNvPr id="4" name="Slide Number Placeholder 3">
+            <a:extLst>
+              <a:ext uri="{FF2B5EF4-FFF2-40B4-BE49-F238E27FC236}">
+                <a16:creationId xmlns:a16="http://schemas.microsoft.com/office/drawing/2014/main" id="{73DB5852-7FE9-0B4E-B746-410A79CD62D6}"/>
+              </a:ext>
+            </a:extLst>
+          </p:cNvPr>
+          <p:cNvSpPr>
+            <a:spLocks noGrp="1"/>
+          </p:cNvSpPr>
+          <p:nvPr>
+            <p:ph type="sldNum" sz="quarter" idx="12"/>
+          </p:nvPr>
+        </p:nvSpPr>
+        <p:spPr/>
+        <p:txBody>
+          <a:bodyPr/>
+          <a:lstStyle/>
+          <a:p>
+            <a:fld id="{2352C00A-4D4A-1B4A-BF5A-FD34A7F77AA7}" type="slidenum">
+              <a:rPr lang="en-US" smtClean="0"/>
+              <a:t>12</a:t>
+            </a:fld>
+            <a:endParaRPr lang="en-US"/>
           </a:p>
         </p:txBody>
       </p:sp>
@@ -3971,19 +4135,31 @@
           </a:p>
           <a:p>
             <a:r>
-              <a:rPr lang="en-US" dirty="0"/>
+              <a:rPr lang="en-US" dirty="0">
+                <a:solidFill>
+                  <a:srgbClr val="FF0000"/>
+                </a:solidFill>
+              </a:rPr>
               <a:t>Minimum value is -32,768 (-2^15)</a:t>
             </a:r>
           </a:p>
           <a:p>
             <a:r>
-              <a:rPr lang="en-US" dirty="0"/>
+              <a:rPr lang="en-US" dirty="0">
+                <a:solidFill>
+                  <a:srgbClr val="FF0000"/>
+                </a:solidFill>
+              </a:rPr>
               <a:t>Maximum value is 32,767 (inclusive) (2^15 -1)</a:t>
             </a:r>
           </a:p>
           <a:p>
             <a:r>
-              <a:rPr lang="en-US" dirty="0"/>
+              <a:rPr lang="en-US" dirty="0">
+                <a:solidFill>
+                  <a:srgbClr val="FF0000"/>
+                </a:solidFill>
+              </a:rPr>
               <a:t>Default value is 0.</a:t>
             </a:r>
           </a:p>
@@ -3998,6 +4174,35 @@
               <a:buNone/>
             </a:pPr>
             <a:endParaRPr lang="en-US" dirty="0"/>
+          </a:p>
+        </p:txBody>
+      </p:sp>
+      <p:sp>
+        <p:nvSpPr>
+          <p:cNvPr id="4" name="Slide Number Placeholder 3">
+            <a:extLst>
+              <a:ext uri="{FF2B5EF4-FFF2-40B4-BE49-F238E27FC236}">
+                <a16:creationId xmlns:a16="http://schemas.microsoft.com/office/drawing/2014/main" id="{70A02430-B0AD-E64D-B19D-F931107106E8}"/>
+              </a:ext>
+            </a:extLst>
+          </p:cNvPr>
+          <p:cNvSpPr>
+            <a:spLocks noGrp="1"/>
+          </p:cNvSpPr>
+          <p:nvPr>
+            <p:ph type="sldNum" sz="quarter" idx="12"/>
+          </p:nvPr>
+        </p:nvSpPr>
+        <p:spPr/>
+        <p:txBody>
+          <a:bodyPr/>
+          <a:lstStyle/>
+          <a:p>
+            <a:fld id="{2352C00A-4D4A-1B4A-BF5A-FD34A7F77AA7}" type="slidenum">
+              <a:rPr lang="en-US" smtClean="0"/>
+              <a:t>13</a:t>
+            </a:fld>
+            <a:endParaRPr lang="en-US"/>
           </a:p>
         </p:txBody>
       </p:sp>
@@ -4113,13 +4318,21 @@
           </a:p>
           <a:p>
             <a:r>
-              <a:rPr lang="en-US" dirty="0"/>
+              <a:rPr lang="en-US" dirty="0">
+                <a:solidFill>
+                  <a:srgbClr val="FF0000"/>
+                </a:solidFill>
+              </a:rPr>
               <a:t>Minimum value is - 2,147,483,648 (-2^31)</a:t>
             </a:r>
           </a:p>
           <a:p>
             <a:r>
-              <a:rPr lang="en-US" dirty="0"/>
+              <a:rPr lang="en-US" dirty="0">
+                <a:solidFill>
+                  <a:srgbClr val="FF0000"/>
+                </a:solidFill>
+              </a:rPr>
               <a:t>Maximum value is 2,147,483,647(inclusive) (2^31 -1)</a:t>
             </a:r>
           </a:p>
@@ -4140,6 +4353,35 @@
               <a:buNone/>
             </a:pPr>
             <a:endParaRPr lang="en-US" dirty="0"/>
+          </a:p>
+        </p:txBody>
+      </p:sp>
+      <p:sp>
+        <p:nvSpPr>
+          <p:cNvPr id="4" name="Slide Number Placeholder 3">
+            <a:extLst>
+              <a:ext uri="{FF2B5EF4-FFF2-40B4-BE49-F238E27FC236}">
+                <a16:creationId xmlns:a16="http://schemas.microsoft.com/office/drawing/2014/main" id="{DB5729D6-61F1-DD49-BF7A-BFCD10E6DE0C}"/>
+              </a:ext>
+            </a:extLst>
+          </p:cNvPr>
+          <p:cNvSpPr>
+            <a:spLocks noGrp="1"/>
+          </p:cNvSpPr>
+          <p:nvPr>
+            <p:ph type="sldNum" sz="quarter" idx="12"/>
+          </p:nvPr>
+        </p:nvSpPr>
+        <p:spPr/>
+        <p:txBody>
+          <a:bodyPr/>
+          <a:lstStyle/>
+          <a:p>
+            <a:fld id="{2352C00A-4D4A-1B4A-BF5A-FD34A7F77AA7}" type="slidenum">
+              <a:rPr lang="en-US" smtClean="0"/>
+              <a:t>14</a:t>
+            </a:fld>
+            <a:endParaRPr lang="en-US"/>
           </a:p>
         </p:txBody>
       </p:sp>
@@ -4246,19 +4488,31 @@
           </a:p>
           <a:p>
             <a:r>
-              <a:rPr lang="en-US" dirty="0"/>
+              <a:rPr lang="en-US" dirty="0">
+                <a:solidFill>
+                  <a:srgbClr val="FF0000"/>
+                </a:solidFill>
+              </a:rPr>
               <a:t>Minimum value is -9,223,372,036,854,775,808(-2^63)</a:t>
             </a:r>
           </a:p>
           <a:p>
             <a:r>
-              <a:rPr lang="en-US" dirty="0"/>
+              <a:rPr lang="en-US" dirty="0">
+                <a:solidFill>
+                  <a:srgbClr val="FF0000"/>
+                </a:solidFill>
+              </a:rPr>
               <a:t>Maximum value is 9,223,372,036,854,775,807 (inclusive)(2^63 -1)</a:t>
             </a:r>
           </a:p>
           <a:p>
             <a:r>
-              <a:rPr lang="en-US" dirty="0"/>
+              <a:rPr lang="en-US" dirty="0">
+                <a:solidFill>
+                  <a:srgbClr val="FF0000"/>
+                </a:solidFill>
+              </a:rPr>
               <a:t>Default value is 0L</a:t>
             </a:r>
           </a:p>
@@ -4273,6 +4527,35 @@
               <a:buNone/>
             </a:pPr>
             <a:endParaRPr lang="en-US" dirty="0"/>
+          </a:p>
+        </p:txBody>
+      </p:sp>
+      <p:sp>
+        <p:nvSpPr>
+          <p:cNvPr id="4" name="Slide Number Placeholder 3">
+            <a:extLst>
+              <a:ext uri="{FF2B5EF4-FFF2-40B4-BE49-F238E27FC236}">
+                <a16:creationId xmlns:a16="http://schemas.microsoft.com/office/drawing/2014/main" id="{97069DED-42E7-0648-94A3-0516C523D35A}"/>
+              </a:ext>
+            </a:extLst>
+          </p:cNvPr>
+          <p:cNvSpPr>
+            <a:spLocks noGrp="1"/>
+          </p:cNvSpPr>
+          <p:nvPr>
+            <p:ph type="sldNum" sz="quarter" idx="12"/>
+          </p:nvPr>
+        </p:nvSpPr>
+        <p:spPr/>
+        <p:txBody>
+          <a:bodyPr/>
+          <a:lstStyle/>
+          <a:p>
+            <a:fld id="{2352C00A-4D4A-1B4A-BF5A-FD34A7F77AA7}" type="slidenum">
+              <a:rPr lang="en-US" smtClean="0"/>
+              <a:t>15</a:t>
+            </a:fld>
+            <a:endParaRPr lang="en-US"/>
           </a:p>
         </p:txBody>
       </p:sp>
@@ -4379,13 +4662,21 @@
           </a:p>
           <a:p>
             <a:r>
-              <a:rPr lang="en-US" dirty="0"/>
+              <a:rPr lang="en-US" dirty="0">
+                <a:solidFill>
+                  <a:srgbClr val="FF0000"/>
+                </a:solidFill>
+              </a:rPr>
               <a:t>Float is mainly used to save memory in large arrays of floating point numbers</a:t>
             </a:r>
           </a:p>
           <a:p>
             <a:r>
-              <a:rPr lang="en-US" dirty="0"/>
+              <a:rPr lang="en-US" dirty="0">
+                <a:solidFill>
+                  <a:srgbClr val="FF0000"/>
+                </a:solidFill>
+              </a:rPr>
               <a:t>Default value is 0.0f</a:t>
             </a:r>
           </a:p>
@@ -4406,6 +4697,35 @@
               <a:buNone/>
             </a:pPr>
             <a:endParaRPr lang="en-US" dirty="0"/>
+          </a:p>
+        </p:txBody>
+      </p:sp>
+      <p:sp>
+        <p:nvSpPr>
+          <p:cNvPr id="4" name="Slide Number Placeholder 3">
+            <a:extLst>
+              <a:ext uri="{FF2B5EF4-FFF2-40B4-BE49-F238E27FC236}">
+                <a16:creationId xmlns:a16="http://schemas.microsoft.com/office/drawing/2014/main" id="{3FA9AAE2-E5C2-4F42-9443-6D5BFCA8FAAF}"/>
+              </a:ext>
+            </a:extLst>
+          </p:cNvPr>
+          <p:cNvSpPr>
+            <a:spLocks noGrp="1"/>
+          </p:cNvSpPr>
+          <p:nvPr>
+            <p:ph type="sldNum" sz="quarter" idx="12"/>
+          </p:nvPr>
+        </p:nvSpPr>
+        <p:spPr/>
+        <p:txBody>
+          <a:bodyPr/>
+          <a:lstStyle/>
+          <a:p>
+            <a:fld id="{2352C00A-4D4A-1B4A-BF5A-FD34A7F77AA7}" type="slidenum">
+              <a:rPr lang="en-US" smtClean="0"/>
+              <a:t>16</a:t>
+            </a:fld>
+            <a:endParaRPr lang="en-US"/>
           </a:p>
         </p:txBody>
       </p:sp>
@@ -4542,6 +4862,35 @@
           </a:p>
         </p:txBody>
       </p:sp>
+      <p:sp>
+        <p:nvSpPr>
+          <p:cNvPr id="4" name="Slide Number Placeholder 3">
+            <a:extLst>
+              <a:ext uri="{FF2B5EF4-FFF2-40B4-BE49-F238E27FC236}">
+                <a16:creationId xmlns:a16="http://schemas.microsoft.com/office/drawing/2014/main" id="{CA929F59-FC65-634D-9C52-5C51F3957F2C}"/>
+              </a:ext>
+            </a:extLst>
+          </p:cNvPr>
+          <p:cNvSpPr>
+            <a:spLocks noGrp="1"/>
+          </p:cNvSpPr>
+          <p:nvPr>
+            <p:ph type="sldNum" sz="quarter" idx="12"/>
+          </p:nvPr>
+        </p:nvSpPr>
+        <p:spPr/>
+        <p:txBody>
+          <a:bodyPr/>
+          <a:lstStyle/>
+          <a:p>
+            <a:fld id="{2352C00A-4D4A-1B4A-BF5A-FD34A7F77AA7}" type="slidenum">
+              <a:rPr lang="en-US" smtClean="0"/>
+              <a:t>17</a:t>
+            </a:fld>
+            <a:endParaRPr lang="en-US"/>
+          </a:p>
+        </p:txBody>
+      </p:sp>
     </p:spTree>
     <p:extLst>
       <p:ext uri="{BB962C8B-B14F-4D97-AF65-F5344CB8AC3E}">
@@ -4622,7 +4971,7 @@
             </a:pPr>
             <a:r>
               <a:rPr lang="en-US" dirty="0"/>
-              <a:t>7. Double</a:t>
+              <a:t>7. Boolean</a:t>
             </a:r>
           </a:p>
           <a:p>
@@ -4639,26 +4988,30 @@
           </a:p>
           <a:p>
             <a:r>
+              <a:rPr lang="en-US" dirty="0" err="1"/>
+              <a:t>boolean</a:t>
+            </a:r>
+            <a:r>
               <a:rPr lang="en-US" dirty="0"/>
-              <a:t>double data type is a double-precision 64-bit IEEE 754 floating point</a:t>
+              <a:t> data type represents one bit of information</a:t>
             </a:r>
           </a:p>
           <a:p>
             <a:r>
               <a:rPr lang="en-US" dirty="0"/>
-              <a:t>This data type is generally used as the default data type for decimal values, generally the default choice</a:t>
+              <a:t>There are only two possible values: true and false</a:t>
             </a:r>
           </a:p>
           <a:p>
             <a:r>
               <a:rPr lang="en-US" dirty="0"/>
-              <a:t>Double data type should never be used for precise values such as currency</a:t>
+              <a:t>This data type is used for simple flags that track true/false conditions</a:t>
             </a:r>
           </a:p>
           <a:p>
             <a:r>
               <a:rPr lang="en-US" dirty="0"/>
-              <a:t>Default value is 0.0d</a:t>
+              <a:t>Default value is false</a:t>
             </a:r>
           </a:p>
           <a:p>
@@ -4675,10 +5028,39 @@
           </a:p>
         </p:txBody>
       </p:sp>
+      <p:sp>
+        <p:nvSpPr>
+          <p:cNvPr id="4" name="Slide Number Placeholder 3">
+            <a:extLst>
+              <a:ext uri="{FF2B5EF4-FFF2-40B4-BE49-F238E27FC236}">
+                <a16:creationId xmlns:a16="http://schemas.microsoft.com/office/drawing/2014/main" id="{FA3516F1-6AD5-A44A-855E-34A5F5ADC64C}"/>
+              </a:ext>
+            </a:extLst>
+          </p:cNvPr>
+          <p:cNvSpPr>
+            <a:spLocks noGrp="1"/>
+          </p:cNvSpPr>
+          <p:nvPr>
+            <p:ph type="sldNum" sz="quarter" idx="12"/>
+          </p:nvPr>
+        </p:nvSpPr>
+        <p:spPr/>
+        <p:txBody>
+          <a:bodyPr/>
+          <a:lstStyle/>
+          <a:p>
+            <a:fld id="{2352C00A-4D4A-1B4A-BF5A-FD34A7F77AA7}" type="slidenum">
+              <a:rPr lang="en-US" smtClean="0"/>
+              <a:t>18</a:t>
+            </a:fld>
+            <a:endParaRPr lang="en-US"/>
+          </a:p>
+        </p:txBody>
+      </p:sp>
     </p:spTree>
     <p:extLst>
       <p:ext uri="{BB962C8B-B14F-4D97-AF65-F5344CB8AC3E}">
-        <p14:creationId xmlns:p14="http://schemas.microsoft.com/office/powerpoint/2010/main" val="1544033689"/>
+        <p14:creationId xmlns:p14="http://schemas.microsoft.com/office/powerpoint/2010/main" val="330927377"/>
       </p:ext>
     </p:extLst>
   </p:cSld>
@@ -4755,7 +5137,7 @@
             </a:pPr>
             <a:r>
               <a:rPr lang="en-US" dirty="0"/>
-              <a:t>7. Boolean</a:t>
+              <a:t>8. Char</a:t>
             </a:r>
           </a:p>
           <a:p>
@@ -4772,30 +5154,34 @@
           </a:p>
           <a:p>
             <a:r>
+              <a:rPr lang="en-US" dirty="0"/>
+              <a:t>char data type is a single 16-bit Unicode character</a:t>
+            </a:r>
+          </a:p>
+          <a:p>
+            <a:r>
+              <a:rPr lang="en-US" dirty="0"/>
+              <a:t>Minimum value is '\u0000' (or 0)</a:t>
+            </a:r>
+          </a:p>
+          <a:p>
+            <a:r>
+              <a:rPr lang="en-US" dirty="0"/>
+              <a:t>Maximum value is '\</a:t>
+            </a:r>
+            <a:r>
               <a:rPr lang="en-US" dirty="0" err="1"/>
-              <a:t>boolean</a:t>
+              <a:t>uffff</a:t>
             </a:r>
             <a:r>
               <a:rPr lang="en-US" dirty="0"/>
-              <a:t> data type represents one bit of information</a:t>
+              <a:t>' (or 65,535 inclusive)</a:t>
             </a:r>
           </a:p>
           <a:p>
             <a:r>
               <a:rPr lang="en-US" dirty="0"/>
-              <a:t>There are only two possible values: true and false</a:t>
-            </a:r>
-          </a:p>
-          <a:p>
-            <a:r>
-              <a:rPr lang="en-US" dirty="0"/>
-              <a:t>This data type is used for simple flags that track true/false conditions</a:t>
-            </a:r>
-          </a:p>
-          <a:p>
-            <a:r>
-              <a:rPr lang="en-US" dirty="0"/>
-              <a:t>Default value is false</a:t>
+              <a:t>Char data type is used to store any character</a:t>
             </a:r>
           </a:p>
           <a:p>
@@ -4812,10 +5198,39 @@
           </a:p>
         </p:txBody>
       </p:sp>
+      <p:sp>
+        <p:nvSpPr>
+          <p:cNvPr id="4" name="Slide Number Placeholder 3">
+            <a:extLst>
+              <a:ext uri="{FF2B5EF4-FFF2-40B4-BE49-F238E27FC236}">
+                <a16:creationId xmlns:a16="http://schemas.microsoft.com/office/drawing/2014/main" id="{5336EBA3-0CFA-9243-B7C6-D6126BACD20F}"/>
+              </a:ext>
+            </a:extLst>
+          </p:cNvPr>
+          <p:cNvSpPr>
+            <a:spLocks noGrp="1"/>
+          </p:cNvSpPr>
+          <p:nvPr>
+            <p:ph type="sldNum" sz="quarter" idx="12"/>
+          </p:nvPr>
+        </p:nvSpPr>
+        <p:spPr/>
+        <p:txBody>
+          <a:bodyPr/>
+          <a:lstStyle/>
+          <a:p>
+            <a:fld id="{2352C00A-4D4A-1B4A-BF5A-FD34A7F77AA7}" type="slidenum">
+              <a:rPr lang="en-US" smtClean="0"/>
+              <a:t>19</a:t>
+            </a:fld>
+            <a:endParaRPr lang="en-US"/>
+          </a:p>
+        </p:txBody>
+      </p:sp>
     </p:spTree>
     <p:extLst>
       <p:ext uri="{BB962C8B-B14F-4D97-AF65-F5344CB8AC3E}">
-        <p14:creationId xmlns:p14="http://schemas.microsoft.com/office/powerpoint/2010/main" val="330927377"/>
+        <p14:creationId xmlns:p14="http://schemas.microsoft.com/office/powerpoint/2010/main" val="1422502221"/>
       </p:ext>
     </p:extLst>
   </p:cSld>
@@ -4900,7 +5315,11 @@
               <a:buNone/>
             </a:pPr>
             <a:r>
-              <a:rPr lang="en-US" dirty="0"/>
+              <a:rPr lang="en-US" dirty="0">
+                <a:solidFill>
+                  <a:srgbClr val="FF0000"/>
+                </a:solidFill>
+              </a:rPr>
               <a:t>Java was initiated by James Gosling and released in 1995 as core component of Sun Microsystems' Java platform (Java 1.0 [J2SE]).</a:t>
             </a:r>
           </a:p>
@@ -4909,7 +5328,11 @@
               <a:buNone/>
             </a:pPr>
             <a:r>
-              <a:rPr lang="en-US" dirty="0"/>
+              <a:rPr lang="en-US" dirty="0">
+                <a:solidFill>
+                  <a:srgbClr val="FF0000"/>
+                </a:solidFill>
+              </a:rPr>
               <a:t>The latest release of the Java Standard Edition is Java SE 8. With the advancement of Java and its widespread popularity, multiple configurations were built to suit various types of platforms. For example: J2EE for Enterprise Applications, J2ME for Mobile Applications.</a:t>
             </a:r>
           </a:p>
@@ -4924,6 +5347,35 @@
               <a:buNone/>
             </a:pPr>
             <a:endParaRPr lang="en-US" dirty="0"/>
+          </a:p>
+        </p:txBody>
+      </p:sp>
+      <p:sp>
+        <p:nvSpPr>
+          <p:cNvPr id="4" name="Slide Number Placeholder 3">
+            <a:extLst>
+              <a:ext uri="{FF2B5EF4-FFF2-40B4-BE49-F238E27FC236}">
+                <a16:creationId xmlns:a16="http://schemas.microsoft.com/office/drawing/2014/main" id="{061B372B-949C-624F-9A30-DB575AF9699A}"/>
+              </a:ext>
+            </a:extLst>
+          </p:cNvPr>
+          <p:cNvSpPr>
+            <a:spLocks noGrp="1"/>
+          </p:cNvSpPr>
+          <p:nvPr>
+            <p:ph type="sldNum" sz="quarter" idx="12"/>
+          </p:nvPr>
+        </p:nvSpPr>
+        <p:spPr/>
+        <p:txBody>
+          <a:bodyPr/>
+          <a:lstStyle/>
+          <a:p>
+            <a:fld id="{2352C00A-4D4A-1B4A-BF5A-FD34A7F77AA7}" type="slidenum">
+              <a:rPr lang="en-US" smtClean="0"/>
+              <a:t>2</a:t>
+            </a:fld>
+            <a:endParaRPr lang="en-US"/>
           </a:p>
         </p:txBody>
       </p:sp>
@@ -4975,8 +5427,12 @@
           <a:lstStyle/>
           <a:p>
             <a:r>
-              <a:rPr lang="en-US" dirty="0"/>
-              <a:t>Primitive Data Types (cont.)</a:t>
+              <a:rPr lang="en-US" dirty="0">
+                <a:solidFill>
+                  <a:srgbClr val="FF0000"/>
+                </a:solidFill>
+              </a:rPr>
+              <a:t>Reference Datatypes</a:t>
             </a:r>
           </a:p>
         </p:txBody>
@@ -4996,82 +5452,80 @@
           <a:bodyPr/>
           <a:lstStyle/>
           <a:p>
-            <a:pPr marL="0" lvl="0" indent="0">
-              <a:lnSpc>
-                <a:spcPct val="100000"/>
-              </a:lnSpc>
-              <a:spcBef>
-                <a:spcPts val="0"/>
-              </a:spcBef>
-              <a:buNone/>
-            </a:pPr>
-            <a:r>
-              <a:rPr lang="en-US" dirty="0"/>
-              <a:t>8. Char</a:t>
-            </a:r>
-          </a:p>
-          <a:p>
-            <a:pPr marL="0" lvl="0" indent="0">
-              <a:lnSpc>
-                <a:spcPct val="100000"/>
-              </a:lnSpc>
-              <a:spcBef>
-                <a:spcPts val="0"/>
-              </a:spcBef>
-              <a:buNone/>
-            </a:pPr>
-            <a:endParaRPr lang="en-US" dirty="0"/>
-          </a:p>
-          <a:p>
-            <a:r>
-              <a:rPr lang="en-US" dirty="0"/>
-              <a:t>char data type is a single 16-bit Unicode character</a:t>
-            </a:r>
-          </a:p>
-          <a:p>
-            <a:r>
-              <a:rPr lang="en-US" dirty="0"/>
-              <a:t>Minimum value is '\u0000' (or 0)</a:t>
-            </a:r>
-          </a:p>
-          <a:p>
-            <a:r>
-              <a:rPr lang="en-US" dirty="0"/>
-              <a:t>Maximum value is '\</a:t>
-            </a:r>
-            <a:r>
-              <a:rPr lang="en-US" dirty="0" err="1"/>
-              <a:t>uffff</a:t>
-            </a:r>
-            <a:r>
-              <a:rPr lang="en-US" dirty="0"/>
-              <a:t>' (or 65,535 inclusive)</a:t>
-            </a:r>
-          </a:p>
-          <a:p>
-            <a:r>
-              <a:rPr lang="en-US" dirty="0"/>
-              <a:t>Char data type is used to store any character</a:t>
-            </a:r>
-          </a:p>
-          <a:p>
-            <a:pPr marL="0" lvl="0" indent="0">
-              <a:lnSpc>
-                <a:spcPct val="100000"/>
-              </a:lnSpc>
-              <a:spcBef>
-                <a:spcPts val="0"/>
-              </a:spcBef>
-              <a:buNone/>
-            </a:pPr>
-            <a:endParaRPr lang="en-US" dirty="0"/>
+            <a:r>
+              <a:rPr lang="en-US" dirty="0">
+                <a:solidFill>
+                  <a:srgbClr val="FF0000"/>
+                </a:solidFill>
+              </a:rPr>
+              <a:t>Reference variables are created using defined constructors of the classes.</a:t>
+            </a:r>
+          </a:p>
+          <a:p>
+            <a:r>
+              <a:rPr lang="en-US" dirty="0">
+                <a:solidFill>
+                  <a:srgbClr val="FF0000"/>
+                </a:solidFill>
+              </a:rPr>
+              <a:t>Class objects and various type of array variables come under reference datatype.</a:t>
+            </a:r>
+          </a:p>
+          <a:p>
+            <a:r>
+              <a:rPr lang="en-US" dirty="0">
+                <a:solidFill>
+                  <a:srgbClr val="FF0000"/>
+                </a:solidFill>
+              </a:rPr>
+              <a:t>Default value of any reference variable is null.</a:t>
+            </a:r>
+          </a:p>
+          <a:p>
+            <a:r>
+              <a:rPr lang="en-US" dirty="0">
+                <a:solidFill>
+                  <a:srgbClr val="FF0000"/>
+                </a:solidFill>
+              </a:rPr>
+              <a:t>A reference variable can be used to refer any object of the declared type or any compatible type.</a:t>
+            </a:r>
+          </a:p>
+        </p:txBody>
+      </p:sp>
+      <p:sp>
+        <p:nvSpPr>
+          <p:cNvPr id="4" name="Slide Number Placeholder 3">
+            <a:extLst>
+              <a:ext uri="{FF2B5EF4-FFF2-40B4-BE49-F238E27FC236}">
+                <a16:creationId xmlns:a16="http://schemas.microsoft.com/office/drawing/2014/main" id="{74C6B610-5738-0346-B7DE-9E92F6F4D2A9}"/>
+              </a:ext>
+            </a:extLst>
+          </p:cNvPr>
+          <p:cNvSpPr>
+            <a:spLocks noGrp="1"/>
+          </p:cNvSpPr>
+          <p:nvPr>
+            <p:ph type="sldNum" sz="quarter" idx="12"/>
+          </p:nvPr>
+        </p:nvSpPr>
+        <p:spPr/>
+        <p:txBody>
+          <a:bodyPr/>
+          <a:lstStyle/>
+          <a:p>
+            <a:fld id="{2352C00A-4D4A-1B4A-BF5A-FD34A7F77AA7}" type="slidenum">
+              <a:rPr lang="en-US" smtClean="0"/>
+              <a:t>20</a:t>
+            </a:fld>
+            <a:endParaRPr lang="en-US"/>
           </a:p>
         </p:txBody>
       </p:sp>
     </p:spTree>
     <p:extLst>
       <p:ext uri="{BB962C8B-B14F-4D97-AF65-F5344CB8AC3E}">
-        <p14:creationId xmlns:p14="http://schemas.microsoft.com/office/powerpoint/2010/main" val="1422502221"/>
+        <p14:creationId xmlns:p14="http://schemas.microsoft.com/office/powerpoint/2010/main" val="1911271525"/>
       </p:ext>
     </p:extLst>
   </p:cSld>
@@ -5117,100 +5571,6 @@
           <a:p>
             <a:r>
               <a:rPr lang="en-US" dirty="0"/>
-              <a:t>Reference Datatypes</a:t>
-            </a:r>
-          </a:p>
-        </p:txBody>
-      </p:sp>
-      <p:sp>
-        <p:nvSpPr>
-          <p:cNvPr id="3" name="Content Placeholder 2"/>
-          <p:cNvSpPr>
-            <a:spLocks noGrp="1"/>
-          </p:cNvSpPr>
-          <p:nvPr>
-            <p:ph idx="1"/>
-          </p:nvPr>
-        </p:nvSpPr>
-        <p:spPr/>
-        <p:txBody>
-          <a:bodyPr/>
-          <a:lstStyle/>
-          <a:p>
-            <a:r>
-              <a:rPr lang="en-US" dirty="0"/>
-              <a:t>Reference variables are created using defined constructors of the classes.</a:t>
-            </a:r>
-          </a:p>
-          <a:p>
-            <a:r>
-              <a:rPr lang="en-US" dirty="0"/>
-              <a:t>Class objects and various type of array variables come under reference datatype.</a:t>
-            </a:r>
-          </a:p>
-          <a:p>
-            <a:r>
-              <a:rPr lang="en-US" dirty="0"/>
-              <a:t>Default value of any reference variable is null.</a:t>
-            </a:r>
-          </a:p>
-          <a:p>
-            <a:r>
-              <a:rPr lang="en-US" dirty="0"/>
-              <a:t>A reference variable can be used to refer any object of the declared type or any compatible type.</a:t>
-            </a:r>
-          </a:p>
-        </p:txBody>
-      </p:sp>
-    </p:spTree>
-    <p:extLst>
-      <p:ext uri="{BB962C8B-B14F-4D97-AF65-F5344CB8AC3E}">
-        <p14:creationId xmlns:p14="http://schemas.microsoft.com/office/powerpoint/2010/main" val="1911271525"/>
-      </p:ext>
-    </p:extLst>
-  </p:cSld>
-  <p:clrMapOvr>
-    <a:masterClrMapping/>
-  </p:clrMapOvr>
-</p:sld>
-</file>
-
-<file path=ppt/slides/slide22.xml><?xml version="1.0" encoding="utf-8"?>
-<p:sld xmlns:a="http://schemas.openxmlformats.org/drawingml/2006/main" xmlns:r="http://schemas.openxmlformats.org/officeDocument/2006/relationships" xmlns:p="http://schemas.openxmlformats.org/presentationml/2006/main">
-  <p:cSld>
-    <p:spTree>
-      <p:nvGrpSpPr>
-        <p:cNvPr id="1" name=""/>
-        <p:cNvGrpSpPr/>
-        <p:nvPr/>
-      </p:nvGrpSpPr>
-      <p:grpSpPr>
-        <a:xfrm>
-          <a:off x="0" y="0"/>
-          <a:ext cx="0" cy="0"/>
-          <a:chOff x="0" y="0"/>
-          <a:chExt cx="0" cy="0"/>
-        </a:xfrm>
-      </p:grpSpPr>
-      <p:sp>
-        <p:nvSpPr>
-          <p:cNvPr id="2" name="Title 1"/>
-          <p:cNvSpPr>
-            <a:spLocks noGrp="1"/>
-          </p:cNvSpPr>
-          <p:nvPr>
-            <p:ph type="title"/>
-          </p:nvPr>
-        </p:nvSpPr>
-        <p:spPr/>
-        <p:txBody>
-          <a:bodyPr>
-            <a:normAutofit/>
-          </a:bodyPr>
-          <a:lstStyle/>
-          <a:p>
-            <a:r>
-              <a:rPr lang="en-US" dirty="0"/>
               <a:t>Java Literals</a:t>
             </a:r>
           </a:p>
@@ -5244,7 +5604,11 @@
               <a:buNone/>
             </a:pPr>
             <a:r>
-              <a:rPr lang="en-US" dirty="0"/>
+              <a:rPr lang="en-US" dirty="0">
+                <a:solidFill>
+                  <a:srgbClr val="FF0000"/>
+                </a:solidFill>
+              </a:rPr>
               <a:t>Literals can be assigned to any primitive type variable. For example −</a:t>
             </a:r>
           </a:p>
@@ -5271,15 +5635,27 @@
               <a:buNone/>
             </a:pPr>
             <a:r>
-              <a:rPr lang="en-US" dirty="0"/>
+              <a:rPr lang="en-US" dirty="0">
+                <a:solidFill>
+                  <a:srgbClr val="FF0000"/>
+                </a:solidFill>
+              </a:rPr>
               <a:t>byte, </a:t>
             </a:r>
             <a:r>
-              <a:rPr lang="en-US" dirty="0" err="1"/>
+              <a:rPr lang="en-US" dirty="0" err="1">
+                <a:solidFill>
+                  <a:srgbClr val="FF0000"/>
+                </a:solidFill>
+              </a:rPr>
               <a:t>int</a:t>
             </a:r>
             <a:r>
-              <a:rPr lang="en-US" dirty="0"/>
+              <a:rPr lang="en-US" dirty="0">
+                <a:solidFill>
+                  <a:srgbClr val="FF0000"/>
+                </a:solidFill>
+              </a:rPr>
               <a:t>, long, and short can be expressed in decimal(base 10), hexadecimal(base 16) or octal(base 8) number systems as well.</a:t>
             </a:r>
           </a:p>
@@ -5315,6 +5691,35 @@
           </a:prstGeom>
         </p:spPr>
       </p:pic>
+      <p:sp>
+        <p:nvSpPr>
+          <p:cNvPr id="5" name="Slide Number Placeholder 4">
+            <a:extLst>
+              <a:ext uri="{FF2B5EF4-FFF2-40B4-BE49-F238E27FC236}">
+                <a16:creationId xmlns:a16="http://schemas.microsoft.com/office/drawing/2014/main" id="{4979BB26-BC0F-2245-B3FC-538D8E8292C7}"/>
+              </a:ext>
+            </a:extLst>
+          </p:cNvPr>
+          <p:cNvSpPr>
+            <a:spLocks noGrp="1"/>
+          </p:cNvSpPr>
+          <p:nvPr>
+            <p:ph type="sldNum" sz="quarter" idx="12"/>
+          </p:nvPr>
+        </p:nvSpPr>
+        <p:spPr/>
+        <p:txBody>
+          <a:bodyPr/>
+          <a:lstStyle/>
+          <a:p>
+            <a:fld id="{2352C00A-4D4A-1B4A-BF5A-FD34A7F77AA7}" type="slidenum">
+              <a:rPr lang="en-US" smtClean="0"/>
+              <a:t>21</a:t>
+            </a:fld>
+            <a:endParaRPr lang="en-US"/>
+          </a:p>
+        </p:txBody>
+      </p:sp>
     </p:spTree>
     <p:extLst>
       <p:ext uri="{BB962C8B-B14F-4D97-AF65-F5344CB8AC3E}">
@@ -5328,7 +5733,7 @@
 </p:sld>
 </file>
 
-<file path=ppt/slides/slide23.xml><?xml version="1.0" encoding="utf-8"?>
+<file path=ppt/slides/slide22.xml><?xml version="1.0" encoding="utf-8"?>
 <p:sld xmlns:a="http://schemas.openxmlformats.org/drawingml/2006/main" xmlns:r="http://schemas.openxmlformats.org/officeDocument/2006/relationships" xmlns:p="http://schemas.openxmlformats.org/presentationml/2006/main">
   <p:cSld>
     <p:spTree>
@@ -5363,7 +5768,11 @@
           <a:lstStyle/>
           <a:p>
             <a:r>
-              <a:rPr lang="en-US" dirty="0"/>
+              <a:rPr lang="en-US" dirty="0">
+                <a:solidFill>
+                  <a:srgbClr val="FF0000"/>
+                </a:solidFill>
+              </a:rPr>
               <a:t>Java Literals (cont.)</a:t>
             </a:r>
           </a:p>
@@ -5388,7 +5797,11 @@
               <a:buNone/>
             </a:pPr>
             <a:r>
-              <a:rPr lang="en-US" dirty="0"/>
+              <a:rPr lang="en-US" dirty="0">
+                <a:solidFill>
+                  <a:srgbClr val="FF0000"/>
+                </a:solidFill>
+              </a:rPr>
               <a:t>Prefix 0 is used to indicate octal, and prefix 0x indicates hexadecimal when using these number systems for literals. For example −</a:t>
             </a:r>
           </a:p>
@@ -5396,26 +5809,42 @@
             <a:pPr marL="0" indent="0">
               <a:buNone/>
             </a:pPr>
-            <a:endParaRPr lang="en-US" dirty="0"/>
+            <a:endParaRPr lang="en-US" dirty="0">
+              <a:solidFill>
+                <a:srgbClr val="FF0000"/>
+              </a:solidFill>
+            </a:endParaRPr>
           </a:p>
           <a:p>
             <a:pPr marL="0" indent="0">
               <a:buNone/>
             </a:pPr>
-            <a:endParaRPr lang="en-US" dirty="0"/>
+            <a:endParaRPr lang="en-US" dirty="0">
+              <a:solidFill>
+                <a:srgbClr val="FF0000"/>
+              </a:solidFill>
+            </a:endParaRPr>
           </a:p>
           <a:p>
             <a:pPr marL="0" indent="0">
               <a:buNone/>
             </a:pPr>
-            <a:endParaRPr lang="en-US" dirty="0"/>
+            <a:endParaRPr lang="en-US" dirty="0">
+              <a:solidFill>
+                <a:srgbClr val="FF0000"/>
+              </a:solidFill>
+            </a:endParaRPr>
           </a:p>
           <a:p>
             <a:pPr marL="0" indent="0">
               <a:buNone/>
             </a:pPr>
             <a:r>
-              <a:rPr lang="en-US" dirty="0"/>
+              <a:rPr lang="en-US" dirty="0">
+                <a:solidFill>
+                  <a:srgbClr val="FF0000"/>
+                </a:solidFill>
+              </a:rPr>
               <a:t>String literals in Java are specified like they are in most other languages by enclosing a sequence of characters between a pair of double quotes. Examples of string literals are −</a:t>
             </a:r>
           </a:p>
@@ -5423,7 +5852,11 @@
             <a:pPr marL="0" indent="0">
               <a:buNone/>
             </a:pPr>
-            <a:endParaRPr lang="en-US" dirty="0"/>
+            <a:endParaRPr lang="en-US" dirty="0">
+              <a:solidFill>
+                <a:srgbClr val="FF0000"/>
+              </a:solidFill>
+            </a:endParaRPr>
           </a:p>
         </p:txBody>
       </p:sp>
@@ -5487,6 +5920,35 @@
           </a:prstGeom>
         </p:spPr>
       </p:pic>
+      <p:sp>
+        <p:nvSpPr>
+          <p:cNvPr id="4" name="Slide Number Placeholder 3">
+            <a:extLst>
+              <a:ext uri="{FF2B5EF4-FFF2-40B4-BE49-F238E27FC236}">
+                <a16:creationId xmlns:a16="http://schemas.microsoft.com/office/drawing/2014/main" id="{15D039B0-6746-0345-9426-D744BB81681E}"/>
+              </a:ext>
+            </a:extLst>
+          </p:cNvPr>
+          <p:cNvSpPr>
+            <a:spLocks noGrp="1"/>
+          </p:cNvSpPr>
+          <p:nvPr>
+            <p:ph type="sldNum" sz="quarter" idx="12"/>
+          </p:nvPr>
+        </p:nvSpPr>
+        <p:spPr/>
+        <p:txBody>
+          <a:bodyPr/>
+          <a:lstStyle/>
+          <a:p>
+            <a:fld id="{2352C00A-4D4A-1B4A-BF5A-FD34A7F77AA7}" type="slidenum">
+              <a:rPr lang="en-US" smtClean="0"/>
+              <a:t>22</a:t>
+            </a:fld>
+            <a:endParaRPr lang="en-US"/>
+          </a:p>
+        </p:txBody>
+      </p:sp>
     </p:spTree>
     <p:extLst>
       <p:ext uri="{BB962C8B-B14F-4D97-AF65-F5344CB8AC3E}">
@@ -5500,7 +5962,7 @@
 </p:sld>
 </file>
 
-<file path=ppt/slides/slide24.xml><?xml version="1.0" encoding="utf-8"?>
+<file path=ppt/slides/slide23.xml><?xml version="1.0" encoding="utf-8"?>
 <p:sld xmlns:a="http://schemas.openxmlformats.org/drawingml/2006/main" xmlns:r="http://schemas.openxmlformats.org/officeDocument/2006/relationships" xmlns:p="http://schemas.openxmlformats.org/presentationml/2006/main">
   <p:cSld>
     <p:spTree>
@@ -5559,7 +6021,15 @@
             </a:pPr>
             <a:r>
               <a:rPr lang="en-US" dirty="0"/>
-              <a:t>A variable provides us with named storage that our programs can manipulate. Each variable in Java has a specific type, which determines the size and layout of the variable's memory; the range of values that can be stored within that memory; and the set of operations that can be applied to the variable.</a:t>
+              <a:t>A variable provides us with named storage that our programs can manipulate. Each variable in Java has a specific type, which determines the size and layout of the variable's memory; </a:t>
+            </a:r>
+            <a:r>
+              <a:rPr lang="en-US" dirty="0">
+                <a:solidFill>
+                  <a:srgbClr val="FF0000"/>
+                </a:solidFill>
+              </a:rPr>
+              <a:t>the range of values that can be stored within that memory; and the set of operations that can be applied to the variable.</a:t>
             </a:r>
           </a:p>
           <a:p>
@@ -5567,7 +6037,11 @@
               <a:buNone/>
             </a:pPr>
             <a:r>
-              <a:rPr lang="en-US" dirty="0"/>
+              <a:rPr lang="en-US" dirty="0">
+                <a:solidFill>
+                  <a:srgbClr val="FF0000"/>
+                </a:solidFill>
+              </a:rPr>
               <a:t>You must declare all variables before they can be used. Following is the basic form of a variable declaration −</a:t>
             </a:r>
           </a:p>
@@ -5615,6 +6089,35 @@
           </a:prstGeom>
         </p:spPr>
       </p:pic>
+      <p:sp>
+        <p:nvSpPr>
+          <p:cNvPr id="5" name="Slide Number Placeholder 4">
+            <a:extLst>
+              <a:ext uri="{FF2B5EF4-FFF2-40B4-BE49-F238E27FC236}">
+                <a16:creationId xmlns:a16="http://schemas.microsoft.com/office/drawing/2014/main" id="{3B410523-5EE6-E742-8AAB-6E62F3E864CA}"/>
+              </a:ext>
+            </a:extLst>
+          </p:cNvPr>
+          <p:cNvSpPr>
+            <a:spLocks noGrp="1"/>
+          </p:cNvSpPr>
+          <p:nvPr>
+            <p:ph type="sldNum" sz="quarter" idx="12"/>
+          </p:nvPr>
+        </p:nvSpPr>
+        <p:spPr/>
+        <p:txBody>
+          <a:bodyPr/>
+          <a:lstStyle/>
+          <a:p>
+            <a:fld id="{2352C00A-4D4A-1B4A-BF5A-FD34A7F77AA7}" type="slidenum">
+              <a:rPr lang="en-US" smtClean="0"/>
+              <a:t>23</a:t>
+            </a:fld>
+            <a:endParaRPr lang="en-US"/>
+          </a:p>
+        </p:txBody>
+      </p:sp>
     </p:spTree>
     <p:extLst>
       <p:ext uri="{BB962C8B-B14F-4D97-AF65-F5344CB8AC3E}">
@@ -5628,7 +6131,7 @@
 </p:sld>
 </file>
 
-<file path=ppt/slides/slide25.xml><?xml version="1.0" encoding="utf-8"?>
+<file path=ppt/slides/slide24.xml><?xml version="1.0" encoding="utf-8"?>
 <p:sld xmlns:a="http://schemas.openxmlformats.org/drawingml/2006/main" xmlns:r="http://schemas.openxmlformats.org/officeDocument/2006/relationships" xmlns:p="http://schemas.openxmlformats.org/presentationml/2006/main">
   <p:cSld>
     <p:spTree>
@@ -5777,6 +6280,35 @@
           </a:prstGeom>
         </p:spPr>
       </p:pic>
+      <p:sp>
+        <p:nvSpPr>
+          <p:cNvPr id="4" name="Slide Number Placeholder 3">
+            <a:extLst>
+              <a:ext uri="{FF2B5EF4-FFF2-40B4-BE49-F238E27FC236}">
+                <a16:creationId xmlns:a16="http://schemas.microsoft.com/office/drawing/2014/main" id="{A214E7C2-8074-5643-BFE0-A158814249A8}"/>
+              </a:ext>
+            </a:extLst>
+          </p:cNvPr>
+          <p:cNvSpPr>
+            <a:spLocks noGrp="1"/>
+          </p:cNvSpPr>
+          <p:nvPr>
+            <p:ph type="sldNum" sz="quarter" idx="12"/>
+          </p:nvPr>
+        </p:nvSpPr>
+        <p:spPr/>
+        <p:txBody>
+          <a:bodyPr/>
+          <a:lstStyle/>
+          <a:p>
+            <a:fld id="{2352C00A-4D4A-1B4A-BF5A-FD34A7F77AA7}" type="slidenum">
+              <a:rPr lang="en-US" smtClean="0"/>
+              <a:t>24</a:t>
+            </a:fld>
+            <a:endParaRPr lang="en-US"/>
+          </a:p>
+        </p:txBody>
+      </p:sp>
     </p:spTree>
     <p:extLst>
       <p:ext uri="{BB962C8B-B14F-4D97-AF65-F5344CB8AC3E}">
@@ -5790,7 +6322,7 @@
 </p:sld>
 </file>
 
-<file path=ppt/slides/slide26.xml><?xml version="1.0" encoding="utf-8"?>
+<file path=ppt/slides/slide25.xml><?xml version="1.0" encoding="utf-8"?>
 <p:sld xmlns:a="http://schemas.openxmlformats.org/drawingml/2006/main" xmlns:r="http://schemas.openxmlformats.org/officeDocument/2006/relationships" xmlns:p="http://schemas.openxmlformats.org/presentationml/2006/main">
   <p:cSld>
     <p:spTree>
@@ -5825,7 +6357,11 @@
           <a:lstStyle/>
           <a:p>
             <a:r>
-              <a:rPr lang="en-US" dirty="0"/>
+              <a:rPr lang="en-US" dirty="0">
+                <a:solidFill>
+                  <a:srgbClr val="FF0000"/>
+                </a:solidFill>
+              </a:rPr>
               <a:t>Local Variables</a:t>
             </a:r>
           </a:p>
@@ -5849,25 +6385,41 @@
           <a:lstStyle/>
           <a:p>
             <a:r>
-              <a:rPr lang="en-US" dirty="0"/>
+              <a:rPr lang="en-US" dirty="0">
+                <a:solidFill>
+                  <a:srgbClr val="FF0000"/>
+                </a:solidFill>
+              </a:rPr>
               <a:t>Local variables are declared in methods, constructors, or blocks.</a:t>
             </a:r>
           </a:p>
           <a:p>
             <a:r>
-              <a:rPr lang="en-US" dirty="0"/>
+              <a:rPr lang="en-US" dirty="0">
+                <a:solidFill>
+                  <a:srgbClr val="FF0000"/>
+                </a:solidFill>
+              </a:rPr>
               <a:t>Local variables are created when the method, constructor or block is entered and the variable will be destroyed once it exits the method, constructor, or block.</a:t>
             </a:r>
           </a:p>
           <a:p>
             <a:r>
-              <a:rPr lang="en-US" dirty="0"/>
+              <a:rPr lang="en-US" dirty="0">
+                <a:solidFill>
+                  <a:srgbClr val="FF0000"/>
+                </a:solidFill>
+              </a:rPr>
               <a:t>Local variables are visible only within the declared method, constructor, or block.</a:t>
             </a:r>
           </a:p>
           <a:p>
             <a:r>
-              <a:rPr lang="en-US" dirty="0"/>
+              <a:rPr lang="en-US" dirty="0">
+                <a:solidFill>
+                  <a:srgbClr val="FF0000"/>
+                </a:solidFill>
+              </a:rPr>
               <a:t>There is no default value for local variables, so local variables should be declared and an initial value should be assigned before the first use.</a:t>
             </a:r>
           </a:p>
@@ -5889,7 +6441,40 @@
               <a:tabLst/>
               <a:defRPr/>
             </a:pPr>
-            <a:endParaRPr lang="en-US" dirty="0"/>
+            <a:endParaRPr lang="en-US" dirty="0">
+              <a:solidFill>
+                <a:srgbClr val="FF0000"/>
+              </a:solidFill>
+            </a:endParaRPr>
+          </a:p>
+        </p:txBody>
+      </p:sp>
+      <p:sp>
+        <p:nvSpPr>
+          <p:cNvPr id="4" name="Slide Number Placeholder 3">
+            <a:extLst>
+              <a:ext uri="{FF2B5EF4-FFF2-40B4-BE49-F238E27FC236}">
+                <a16:creationId xmlns:a16="http://schemas.microsoft.com/office/drawing/2014/main" id="{083FEC90-7153-9644-ADD8-6B874CDD28E1}"/>
+              </a:ext>
+            </a:extLst>
+          </p:cNvPr>
+          <p:cNvSpPr>
+            <a:spLocks noGrp="1"/>
+          </p:cNvSpPr>
+          <p:nvPr>
+            <p:ph type="sldNum" sz="quarter" idx="12"/>
+          </p:nvPr>
+        </p:nvSpPr>
+        <p:spPr/>
+        <p:txBody>
+          <a:bodyPr/>
+          <a:lstStyle/>
+          <a:p>
+            <a:fld id="{2352C00A-4D4A-1B4A-BF5A-FD34A7F77AA7}" type="slidenum">
+              <a:rPr lang="en-US" smtClean="0"/>
+              <a:t>25</a:t>
+            </a:fld>
+            <a:endParaRPr lang="en-US"/>
           </a:p>
         </p:txBody>
       </p:sp>
@@ -5906,7 +6491,7 @@
 </p:sld>
 </file>
 
-<file path=ppt/slides/slide27.xml><?xml version="1.0" encoding="utf-8"?>
+<file path=ppt/slides/slide26.xml><?xml version="1.0" encoding="utf-8"?>
 <p:sld xmlns:a="http://schemas.openxmlformats.org/drawingml/2006/main" xmlns:r="http://schemas.openxmlformats.org/officeDocument/2006/relationships" xmlns:p="http://schemas.openxmlformats.org/presentationml/2006/main">
   <p:cSld>
     <p:spTree>
@@ -6060,6 +6645,35 @@
           </a:prstGeom>
         </p:spPr>
       </p:pic>
+      <p:sp>
+        <p:nvSpPr>
+          <p:cNvPr id="6" name="Slide Number Placeholder 5">
+            <a:extLst>
+              <a:ext uri="{FF2B5EF4-FFF2-40B4-BE49-F238E27FC236}">
+                <a16:creationId xmlns:a16="http://schemas.microsoft.com/office/drawing/2014/main" id="{D6086D15-551D-5E49-93E1-A449E7A14F1B}"/>
+              </a:ext>
+            </a:extLst>
+          </p:cNvPr>
+          <p:cNvSpPr>
+            <a:spLocks noGrp="1"/>
+          </p:cNvSpPr>
+          <p:nvPr>
+            <p:ph type="sldNum" sz="quarter" idx="12"/>
+          </p:nvPr>
+        </p:nvSpPr>
+        <p:spPr/>
+        <p:txBody>
+          <a:bodyPr/>
+          <a:lstStyle/>
+          <a:p>
+            <a:fld id="{2352C00A-4D4A-1B4A-BF5A-FD34A7F77AA7}" type="slidenum">
+              <a:rPr lang="en-US" smtClean="0"/>
+              <a:t>26</a:t>
+            </a:fld>
+            <a:endParaRPr lang="en-US"/>
+          </a:p>
+        </p:txBody>
+      </p:sp>
     </p:spTree>
     <p:extLst>
       <p:ext uri="{BB962C8B-B14F-4D97-AF65-F5344CB8AC3E}">
@@ -6073,7 +6687,7 @@
 </p:sld>
 </file>
 
-<file path=ppt/slides/slide28.xml><?xml version="1.0" encoding="utf-8"?>
+<file path=ppt/slides/slide27.xml><?xml version="1.0" encoding="utf-8"?>
 <p:sld xmlns:a="http://schemas.openxmlformats.org/drawingml/2006/main" xmlns:r="http://schemas.openxmlformats.org/officeDocument/2006/relationships" xmlns:p="http://schemas.openxmlformats.org/presentationml/2006/main">
   <p:cSld>
     <p:spTree>
@@ -6220,10 +6834,228 @@
           </a:ln>
         </p:spPr>
       </p:pic>
+      <p:sp>
+        <p:nvSpPr>
+          <p:cNvPr id="4" name="Slide Number Placeholder 3">
+            <a:extLst>
+              <a:ext uri="{FF2B5EF4-FFF2-40B4-BE49-F238E27FC236}">
+                <a16:creationId xmlns:a16="http://schemas.microsoft.com/office/drawing/2014/main" id="{7BEE765C-0AB5-5846-B538-A3AD078DCF2D}"/>
+              </a:ext>
+            </a:extLst>
+          </p:cNvPr>
+          <p:cNvSpPr>
+            <a:spLocks noGrp="1"/>
+          </p:cNvSpPr>
+          <p:nvPr>
+            <p:ph type="sldNum" sz="quarter" idx="12"/>
+          </p:nvPr>
+        </p:nvSpPr>
+        <p:spPr/>
+        <p:txBody>
+          <a:bodyPr/>
+          <a:lstStyle/>
+          <a:p>
+            <a:fld id="{2352C00A-4D4A-1B4A-BF5A-FD34A7F77AA7}" type="slidenum">
+              <a:rPr lang="en-US" smtClean="0"/>
+              <a:t>27</a:t>
+            </a:fld>
+            <a:endParaRPr lang="en-US"/>
+          </a:p>
+        </p:txBody>
+      </p:sp>
     </p:spTree>
     <p:extLst>
       <p:ext uri="{BB962C8B-B14F-4D97-AF65-F5344CB8AC3E}">
         <p14:creationId xmlns:p14="http://schemas.microsoft.com/office/powerpoint/2010/main" val="902212314"/>
+      </p:ext>
+    </p:extLst>
+  </p:cSld>
+  <p:clrMapOvr>
+    <a:masterClrMapping/>
+  </p:clrMapOvr>
+</p:sld>
+</file>
+
+<file path=ppt/slides/slide28.xml><?xml version="1.0" encoding="utf-8"?>
+<p:sld xmlns:a="http://schemas.openxmlformats.org/drawingml/2006/main" xmlns:r="http://schemas.openxmlformats.org/officeDocument/2006/relationships" xmlns:p="http://schemas.openxmlformats.org/presentationml/2006/main">
+  <p:cSld>
+    <p:spTree>
+      <p:nvGrpSpPr>
+        <p:cNvPr id="1" name=""/>
+        <p:cNvGrpSpPr/>
+        <p:nvPr/>
+      </p:nvGrpSpPr>
+      <p:grpSpPr>
+        <a:xfrm>
+          <a:off x="0" y="0"/>
+          <a:ext cx="0" cy="0"/>
+          <a:chOff x="0" y="0"/>
+          <a:chExt cx="0" cy="0"/>
+        </a:xfrm>
+      </p:grpSpPr>
+      <p:sp>
+        <p:nvSpPr>
+          <p:cNvPr id="2" name="Title 1"/>
+          <p:cNvSpPr>
+            <a:spLocks noGrp="1"/>
+          </p:cNvSpPr>
+          <p:nvPr>
+            <p:ph type="title"/>
+          </p:nvPr>
+        </p:nvSpPr>
+        <p:spPr/>
+        <p:txBody>
+          <a:bodyPr>
+            <a:normAutofit/>
+          </a:bodyPr>
+          <a:lstStyle/>
+          <a:p>
+            <a:r>
+              <a:rPr lang="en-US" dirty="0">
+                <a:solidFill>
+                  <a:srgbClr val="FF0000"/>
+                </a:solidFill>
+              </a:rPr>
+              <a:t>Instance Variables</a:t>
+            </a:r>
+          </a:p>
+        </p:txBody>
+      </p:sp>
+      <p:sp>
+        <p:nvSpPr>
+          <p:cNvPr id="3" name="Content Placeholder 2"/>
+          <p:cNvSpPr>
+            <a:spLocks noGrp="1"/>
+          </p:cNvSpPr>
+          <p:nvPr>
+            <p:ph idx="1"/>
+          </p:nvPr>
+        </p:nvSpPr>
+        <p:spPr/>
+        <p:txBody>
+          <a:bodyPr>
+            <a:normAutofit fontScale="92500" lnSpcReduction="10000"/>
+          </a:bodyPr>
+          <a:lstStyle/>
+          <a:p>
+            <a:r>
+              <a:rPr lang="en-US" dirty="0">
+                <a:solidFill>
+                  <a:srgbClr val="FF0000"/>
+                </a:solidFill>
+              </a:rPr>
+              <a:t>Instance variables are declared in a class, but outside a method, constructor or any block.</a:t>
+            </a:r>
+          </a:p>
+          <a:p>
+            <a:r>
+              <a:rPr lang="en-US" dirty="0">
+                <a:solidFill>
+                  <a:srgbClr val="FF0000"/>
+                </a:solidFill>
+              </a:rPr>
+              <a:t>When a space is allocated for an object in the heap, a slot for each instance variable value is created.</a:t>
+            </a:r>
+          </a:p>
+          <a:p>
+            <a:r>
+              <a:rPr lang="en-US" dirty="0">
+                <a:solidFill>
+                  <a:srgbClr val="FF0000"/>
+                </a:solidFill>
+              </a:rPr>
+              <a:t>Instance variables are created when an object is created with the use of the keyword 'new' and destroyed when the object is destroyed.</a:t>
+            </a:r>
+          </a:p>
+          <a:p>
+            <a:r>
+              <a:rPr lang="en-US" dirty="0">
+                <a:solidFill>
+                  <a:srgbClr val="FF0000"/>
+                </a:solidFill>
+              </a:rPr>
+              <a:t>Instance variables hold values that must be referenced by more than one method, constructor or block, or essential parts of an object's state that must be present throughout the class.</a:t>
+            </a:r>
+          </a:p>
+          <a:p>
+            <a:r>
+              <a:rPr lang="en-US" dirty="0">
+                <a:solidFill>
+                  <a:srgbClr val="FF0000"/>
+                </a:solidFill>
+              </a:rPr>
+              <a:t>Instance variables can be declared in class level before or after use.</a:t>
+            </a:r>
+          </a:p>
+          <a:p>
+            <a:r>
+              <a:rPr lang="en-US" dirty="0">
+                <a:solidFill>
+                  <a:srgbClr val="FF0000"/>
+                </a:solidFill>
+              </a:rPr>
+              <a:t>Access modifiers can be given for instance variables.</a:t>
+            </a:r>
+          </a:p>
+          <a:p>
+            <a:pPr marL="0" marR="0" lvl="0" indent="0" defTabSz="914400" eaLnBrk="1" fontAlgn="auto" latinLnBrk="0" hangingPunct="1">
+              <a:lnSpc>
+                <a:spcPct val="100000"/>
+              </a:lnSpc>
+              <a:spcBef>
+                <a:spcPts val="0"/>
+              </a:spcBef>
+              <a:spcAft>
+                <a:spcPts val="0"/>
+              </a:spcAft>
+              <a:buClrTx/>
+              <a:buSzTx/>
+              <a:buFontTx/>
+              <a:buNone/>
+              <a:tabLst/>
+              <a:defRPr/>
+            </a:pPr>
+            <a:endParaRPr lang="en-US" dirty="0">
+              <a:solidFill>
+                <a:srgbClr val="FF0000"/>
+              </a:solidFill>
+            </a:endParaRPr>
+          </a:p>
+        </p:txBody>
+      </p:sp>
+      <p:sp>
+        <p:nvSpPr>
+          <p:cNvPr id="4" name="Slide Number Placeholder 3">
+            <a:extLst>
+              <a:ext uri="{FF2B5EF4-FFF2-40B4-BE49-F238E27FC236}">
+                <a16:creationId xmlns:a16="http://schemas.microsoft.com/office/drawing/2014/main" id="{08ED4687-3BEC-804F-80A0-14F12C804E89}"/>
+              </a:ext>
+            </a:extLst>
+          </p:cNvPr>
+          <p:cNvSpPr>
+            <a:spLocks noGrp="1"/>
+          </p:cNvSpPr>
+          <p:nvPr>
+            <p:ph type="sldNum" sz="quarter" idx="12"/>
+          </p:nvPr>
+        </p:nvSpPr>
+        <p:spPr/>
+        <p:txBody>
+          <a:bodyPr/>
+          <a:lstStyle/>
+          <a:p>
+            <a:fld id="{2352C00A-4D4A-1B4A-BF5A-FD34A7F77AA7}" type="slidenum">
+              <a:rPr lang="en-US" smtClean="0"/>
+              <a:t>28</a:t>
+            </a:fld>
+            <a:endParaRPr lang="en-US"/>
+          </a:p>
+        </p:txBody>
+      </p:sp>
+    </p:spTree>
+    <p:extLst>
+      <p:ext uri="{BB962C8B-B14F-4D97-AF65-F5344CB8AC3E}">
+        <p14:creationId xmlns:p14="http://schemas.microsoft.com/office/powerpoint/2010/main" val="1483479642"/>
       </p:ext>
     </p:extLst>
   </p:cSld>
@@ -6268,8 +7100,12 @@
           <a:lstStyle/>
           <a:p>
             <a:r>
-              <a:rPr lang="en-US" dirty="0"/>
-              <a:t>Instance Variables</a:t>
+              <a:rPr lang="en-US" dirty="0">
+                <a:solidFill>
+                  <a:srgbClr val="FF0000"/>
+                </a:solidFill>
+              </a:rPr>
+              <a:t>Instance Variables (cont.)</a:t>
             </a:r>
           </a:p>
         </p:txBody>
@@ -6287,71 +7123,90 @@
         <p:spPr/>
         <p:txBody>
           <a:bodyPr>
-            <a:normAutofit fontScale="92500" lnSpcReduction="10000"/>
+            <a:normAutofit lnSpcReduction="10000"/>
           </a:bodyPr>
           <a:lstStyle/>
           <a:p>
             <a:r>
-              <a:rPr lang="en-US" dirty="0"/>
-              <a:t>Instance variables are declared in a class, but outside a method, constructor or any block.</a:t>
-            </a:r>
-          </a:p>
-          <a:p>
-            <a:r>
-              <a:rPr lang="en-US" dirty="0"/>
-              <a:t>When a space is allocated for an object in the heap, a slot for each instance variable value is created.</a:t>
-            </a:r>
-          </a:p>
-          <a:p>
-            <a:r>
-              <a:rPr lang="en-US" dirty="0"/>
-              <a:t>Instance variables are created when an object is created with the use of the keyword 'new' and destroyed when the object is destroyed.</a:t>
-            </a:r>
-          </a:p>
-          <a:p>
-            <a:r>
-              <a:rPr lang="en-US" dirty="0"/>
-              <a:t>Instance variables hold values that must be referenced by more than one method, constructor or block, or essential parts of an object's state that must be present throughout the class.</a:t>
-            </a:r>
-          </a:p>
-          <a:p>
-            <a:r>
-              <a:rPr lang="en-US" dirty="0"/>
-              <a:t>Instance variables can be declared in class level before or after use.</a:t>
-            </a:r>
-          </a:p>
-          <a:p>
-            <a:r>
-              <a:rPr lang="en-US" dirty="0"/>
-              <a:t>Access modifiers can be given for instance variables.</a:t>
-            </a:r>
-          </a:p>
-          <a:p>
-            <a:pPr marL="0" marR="0" lvl="0" indent="0" defTabSz="914400" eaLnBrk="1" fontAlgn="auto" latinLnBrk="0" hangingPunct="1">
-              <a:lnSpc>
-                <a:spcPct val="100000"/>
-              </a:lnSpc>
-              <a:spcBef>
-                <a:spcPts val="0"/>
-              </a:spcBef>
-              <a:spcAft>
-                <a:spcPts val="0"/>
-              </a:spcAft>
-              <a:buClrTx/>
-              <a:buSzTx/>
-              <a:buFontTx/>
-              <a:buNone/>
-              <a:tabLst/>
-              <a:defRPr/>
-            </a:pPr>
-            <a:endParaRPr lang="en-US" dirty="0"/>
+              <a:rPr lang="en-US" dirty="0">
+                <a:solidFill>
+                  <a:srgbClr val="FF0000"/>
+                </a:solidFill>
+              </a:rPr>
+              <a:t>The instance variables are visible for all methods, constructors and block in the class. Normally, it is recommended to make these variables private (access level). However, visibility for subclasses can be given for these variables with the use of access modifiers.</a:t>
+            </a:r>
+          </a:p>
+          <a:p>
+            <a:r>
+              <a:rPr lang="en-US" dirty="0">
+                <a:solidFill>
+                  <a:srgbClr val="FF0000"/>
+                </a:solidFill>
+              </a:rPr>
+              <a:t>Instance variables have default values. For numbers, the default value is 0, for Booleans it is false, and for object references it is null. Values can be assigned during the declaration or within the constructor.</a:t>
+            </a:r>
+          </a:p>
+          <a:p>
+            <a:r>
+              <a:rPr lang="en-US" dirty="0">
+                <a:solidFill>
+                  <a:srgbClr val="FF0000"/>
+                </a:solidFill>
+              </a:rPr>
+              <a:t>Instance variables can be accessed directly by calling the variable name inside the class. However, within static methods (when instance variables are given accessibility), they should be called using the fully qualified name. </a:t>
+            </a:r>
+            <a:r>
+              <a:rPr lang="en-US" i="1" dirty="0" err="1">
+                <a:solidFill>
+                  <a:srgbClr val="FF0000"/>
+                </a:solidFill>
+              </a:rPr>
+              <a:t>ObjectReference.VariableName</a:t>
+            </a:r>
+            <a:r>
+              <a:rPr lang="en-US" dirty="0">
+                <a:solidFill>
+                  <a:srgbClr val="FF0000"/>
+                </a:solidFill>
+              </a:rPr>
+              <a:t>.</a:t>
+            </a:r>
+          </a:p>
+        </p:txBody>
+      </p:sp>
+      <p:sp>
+        <p:nvSpPr>
+          <p:cNvPr id="4" name="Slide Number Placeholder 3">
+            <a:extLst>
+              <a:ext uri="{FF2B5EF4-FFF2-40B4-BE49-F238E27FC236}">
+                <a16:creationId xmlns:a16="http://schemas.microsoft.com/office/drawing/2014/main" id="{D2960394-0415-0B48-BD4E-8D146E68383C}"/>
+              </a:ext>
+            </a:extLst>
+          </p:cNvPr>
+          <p:cNvSpPr>
+            <a:spLocks noGrp="1"/>
+          </p:cNvSpPr>
+          <p:nvPr>
+            <p:ph type="sldNum" sz="quarter" idx="12"/>
+          </p:nvPr>
+        </p:nvSpPr>
+        <p:spPr/>
+        <p:txBody>
+          <a:bodyPr/>
+          <a:lstStyle/>
+          <a:p>
+            <a:fld id="{2352C00A-4D4A-1B4A-BF5A-FD34A7F77AA7}" type="slidenum">
+              <a:rPr lang="en-US" smtClean="0"/>
+              <a:t>29</a:t>
+            </a:fld>
+            <a:endParaRPr lang="en-US"/>
           </a:p>
         </p:txBody>
       </p:sp>
     </p:spTree>
     <p:extLst>
       <p:ext uri="{BB962C8B-B14F-4D97-AF65-F5344CB8AC3E}">
-        <p14:creationId xmlns:p14="http://schemas.microsoft.com/office/powerpoint/2010/main" val="1483479642"/>
+        <p14:creationId xmlns:p14="http://schemas.microsoft.com/office/powerpoint/2010/main" val="2023754530"/>
       </p:ext>
     </p:extLst>
   </p:cSld>
@@ -6450,6 +7305,35 @@
               <a:t>Dynamic</a:t>
             </a:r>
             <a:endParaRPr lang="en-US" dirty="0"/>
+          </a:p>
+        </p:txBody>
+      </p:sp>
+      <p:sp>
+        <p:nvSpPr>
+          <p:cNvPr id="4" name="Slide Number Placeholder 3">
+            <a:extLst>
+              <a:ext uri="{FF2B5EF4-FFF2-40B4-BE49-F238E27FC236}">
+                <a16:creationId xmlns:a16="http://schemas.microsoft.com/office/drawing/2014/main" id="{CD12C627-4272-4C4E-8C82-E1E2FBB4F95E}"/>
+              </a:ext>
+            </a:extLst>
+          </p:cNvPr>
+          <p:cNvSpPr>
+            <a:spLocks noGrp="1"/>
+          </p:cNvSpPr>
+          <p:nvPr>
+            <p:ph type="sldNum" sz="quarter" idx="12"/>
+          </p:nvPr>
+        </p:nvSpPr>
+        <p:spPr/>
+        <p:txBody>
+          <a:bodyPr/>
+          <a:lstStyle/>
+          <a:p>
+            <a:fld id="{2352C00A-4D4A-1B4A-BF5A-FD34A7F77AA7}" type="slidenum">
+              <a:rPr lang="en-US" smtClean="0"/>
+              <a:t>3</a:t>
+            </a:fld>
+            <a:endParaRPr lang="en-US"/>
           </a:p>
         </p:txBody>
       </p:sp>
@@ -6501,105 +7385,11 @@
           <a:lstStyle/>
           <a:p>
             <a:r>
-              <a:rPr lang="en-US" dirty="0"/>
-              <a:t>Instance Variables (cont.)</a:t>
-            </a:r>
-          </a:p>
-        </p:txBody>
-      </p:sp>
-      <p:sp>
-        <p:nvSpPr>
-          <p:cNvPr id="3" name="Content Placeholder 2"/>
-          <p:cNvSpPr>
-            <a:spLocks noGrp="1"/>
-          </p:cNvSpPr>
-          <p:nvPr>
-            <p:ph idx="1"/>
-          </p:nvPr>
-        </p:nvSpPr>
-        <p:spPr/>
-        <p:txBody>
-          <a:bodyPr>
-            <a:normAutofit lnSpcReduction="10000"/>
-          </a:bodyPr>
-          <a:lstStyle/>
-          <a:p>
-            <a:r>
-              <a:rPr lang="en-US" dirty="0"/>
-              <a:t>The instance variables are visible for all methods, constructors and block in the class. Normally, it is recommended to make these variables private (access level). However, visibility for subclasses can be given for these variables with the use of access modifiers.</a:t>
-            </a:r>
-          </a:p>
-          <a:p>
-            <a:r>
-              <a:rPr lang="en-US" dirty="0"/>
-              <a:t>Instance variables have default values. For numbers, the default value is 0, for Booleans it is false, and for object references it is null. Values can be assigned during the declaration or within the constructor.</a:t>
-            </a:r>
-          </a:p>
-          <a:p>
-            <a:r>
-              <a:rPr lang="en-US" dirty="0"/>
-              <a:t>Instance variables can be accessed directly by calling the variable name inside the class. However, within static methods (when instance variables are given accessibility), they should be called using the fully qualified name. </a:t>
-            </a:r>
-            <a:r>
-              <a:rPr lang="en-US" i="1" dirty="0" err="1"/>
-              <a:t>ObjectReference.VariableName</a:t>
-            </a:r>
-            <a:r>
-              <a:rPr lang="en-US" dirty="0"/>
-              <a:t>.</a:t>
-            </a:r>
-          </a:p>
-        </p:txBody>
-      </p:sp>
-    </p:spTree>
-    <p:extLst>
-      <p:ext uri="{BB962C8B-B14F-4D97-AF65-F5344CB8AC3E}">
-        <p14:creationId xmlns:p14="http://schemas.microsoft.com/office/powerpoint/2010/main" val="2023754530"/>
-      </p:ext>
-    </p:extLst>
-  </p:cSld>
-  <p:clrMapOvr>
-    <a:masterClrMapping/>
-  </p:clrMapOvr>
-</p:sld>
-</file>
-
-<file path=ppt/slides/slide31.xml><?xml version="1.0" encoding="utf-8"?>
-<p:sld xmlns:a="http://schemas.openxmlformats.org/drawingml/2006/main" xmlns:r="http://schemas.openxmlformats.org/officeDocument/2006/relationships" xmlns:p="http://schemas.openxmlformats.org/presentationml/2006/main">
-  <p:cSld>
-    <p:spTree>
-      <p:nvGrpSpPr>
-        <p:cNvPr id="1" name=""/>
-        <p:cNvGrpSpPr/>
-        <p:nvPr/>
-      </p:nvGrpSpPr>
-      <p:grpSpPr>
-        <a:xfrm>
-          <a:off x="0" y="0"/>
-          <a:ext cx="0" cy="0"/>
-          <a:chOff x="0" y="0"/>
-          <a:chExt cx="0" cy="0"/>
-        </a:xfrm>
-      </p:grpSpPr>
-      <p:sp>
-        <p:nvSpPr>
-          <p:cNvPr id="2" name="Title 1"/>
-          <p:cNvSpPr>
-            <a:spLocks noGrp="1"/>
-          </p:cNvSpPr>
-          <p:nvPr>
-            <p:ph type="title"/>
-          </p:nvPr>
-        </p:nvSpPr>
-        <p:spPr/>
-        <p:txBody>
-          <a:bodyPr>
-            <a:normAutofit/>
-          </a:bodyPr>
-          <a:lstStyle/>
-          <a:p>
-            <a:r>
-              <a:rPr lang="en-US" dirty="0"/>
+              <a:rPr lang="en-US" dirty="0">
+                <a:solidFill>
+                  <a:srgbClr val="FF0000"/>
+                </a:solidFill>
+              </a:rPr>
               <a:t>Instance Variables Example</a:t>
             </a:r>
           </a:p>
@@ -6665,10 +7455,218 @@
           </a:prstGeom>
         </p:spPr>
       </p:pic>
+      <p:sp>
+        <p:nvSpPr>
+          <p:cNvPr id="3" name="Slide Number Placeholder 2">
+            <a:extLst>
+              <a:ext uri="{FF2B5EF4-FFF2-40B4-BE49-F238E27FC236}">
+                <a16:creationId xmlns:a16="http://schemas.microsoft.com/office/drawing/2014/main" id="{ABE9A833-2BC0-7C4D-8CCF-84B9F333108A}"/>
+              </a:ext>
+            </a:extLst>
+          </p:cNvPr>
+          <p:cNvSpPr>
+            <a:spLocks noGrp="1"/>
+          </p:cNvSpPr>
+          <p:nvPr>
+            <p:ph type="sldNum" sz="quarter" idx="12"/>
+          </p:nvPr>
+        </p:nvSpPr>
+        <p:spPr/>
+        <p:txBody>
+          <a:bodyPr/>
+          <a:lstStyle/>
+          <a:p>
+            <a:fld id="{2352C00A-4D4A-1B4A-BF5A-FD34A7F77AA7}" type="slidenum">
+              <a:rPr lang="en-US" smtClean="0"/>
+              <a:t>30</a:t>
+            </a:fld>
+            <a:endParaRPr lang="en-US"/>
+          </a:p>
+        </p:txBody>
+      </p:sp>
     </p:spTree>
     <p:extLst>
       <p:ext uri="{BB962C8B-B14F-4D97-AF65-F5344CB8AC3E}">
         <p14:creationId xmlns:p14="http://schemas.microsoft.com/office/powerpoint/2010/main" val="467277737"/>
+      </p:ext>
+    </p:extLst>
+  </p:cSld>
+  <p:clrMapOvr>
+    <a:masterClrMapping/>
+  </p:clrMapOvr>
+</p:sld>
+</file>
+
+<file path=ppt/slides/slide31.xml><?xml version="1.0" encoding="utf-8"?>
+<p:sld xmlns:a="http://schemas.openxmlformats.org/drawingml/2006/main" xmlns:r="http://schemas.openxmlformats.org/officeDocument/2006/relationships" xmlns:p="http://schemas.openxmlformats.org/presentationml/2006/main">
+  <p:cSld>
+    <p:spTree>
+      <p:nvGrpSpPr>
+        <p:cNvPr id="1" name=""/>
+        <p:cNvGrpSpPr/>
+        <p:nvPr/>
+      </p:nvGrpSpPr>
+      <p:grpSpPr>
+        <a:xfrm>
+          <a:off x="0" y="0"/>
+          <a:ext cx="0" cy="0"/>
+          <a:chOff x="0" y="0"/>
+          <a:chExt cx="0" cy="0"/>
+        </a:xfrm>
+      </p:grpSpPr>
+      <p:sp>
+        <p:nvSpPr>
+          <p:cNvPr id="2" name="Title 1"/>
+          <p:cNvSpPr>
+            <a:spLocks noGrp="1"/>
+          </p:cNvSpPr>
+          <p:nvPr>
+            <p:ph type="title"/>
+          </p:nvPr>
+        </p:nvSpPr>
+        <p:spPr/>
+        <p:txBody>
+          <a:bodyPr>
+            <a:normAutofit/>
+          </a:bodyPr>
+          <a:lstStyle/>
+          <a:p>
+            <a:r>
+              <a:rPr lang="en-US" dirty="0">
+                <a:solidFill>
+                  <a:srgbClr val="FF0000"/>
+                </a:solidFill>
+              </a:rPr>
+              <a:t>Class/Static Variables</a:t>
+            </a:r>
+          </a:p>
+        </p:txBody>
+      </p:sp>
+      <p:sp>
+        <p:nvSpPr>
+          <p:cNvPr id="3" name="Content Placeholder 2"/>
+          <p:cNvSpPr>
+            <a:spLocks noGrp="1"/>
+          </p:cNvSpPr>
+          <p:nvPr>
+            <p:ph idx="1"/>
+          </p:nvPr>
+        </p:nvSpPr>
+        <p:spPr/>
+        <p:txBody>
+          <a:bodyPr>
+            <a:normAutofit fontScale="92500" lnSpcReduction="20000"/>
+          </a:bodyPr>
+          <a:lstStyle/>
+          <a:p>
+            <a:r>
+              <a:rPr lang="en-US" dirty="0">
+                <a:solidFill>
+                  <a:srgbClr val="FF0000"/>
+                </a:solidFill>
+              </a:rPr>
+              <a:t>Class variables also known as static variables are declared with the static keyword in a class, but outside a method, constructor or a block.</a:t>
+            </a:r>
+          </a:p>
+          <a:p>
+            <a:r>
+              <a:rPr lang="en-US" dirty="0">
+                <a:solidFill>
+                  <a:srgbClr val="FF0000"/>
+                </a:solidFill>
+              </a:rPr>
+              <a:t>There would only be one copy of each class variable per class, regardless of how many objects are created from it.</a:t>
+            </a:r>
+          </a:p>
+          <a:p>
+            <a:r>
+              <a:rPr lang="en-US" dirty="0">
+                <a:solidFill>
+                  <a:srgbClr val="FF0000"/>
+                </a:solidFill>
+              </a:rPr>
+              <a:t>Static variables are rarely used other than being declared as constants. Constants are variables that are declared as public/private, final, and static. Constant variables never change from their initial value.</a:t>
+            </a:r>
+          </a:p>
+          <a:p>
+            <a:r>
+              <a:rPr lang="en-US" dirty="0">
+                <a:solidFill>
+                  <a:srgbClr val="FF0000"/>
+                </a:solidFill>
+              </a:rPr>
+              <a:t>Static variables are stored in the static memory. It is rare to use static variables other than declared final and used as either public or private constants.</a:t>
+            </a:r>
+          </a:p>
+          <a:p>
+            <a:r>
+              <a:rPr lang="en-US" dirty="0">
+                <a:solidFill>
+                  <a:srgbClr val="FF0000"/>
+                </a:solidFill>
+              </a:rPr>
+              <a:t>Static variables are created when the program starts and destroyed when the program stops.</a:t>
+            </a:r>
+          </a:p>
+          <a:p>
+            <a:pPr marL="0" marR="0" lvl="0" indent="0" defTabSz="914400" eaLnBrk="1" fontAlgn="auto" latinLnBrk="0" hangingPunct="1">
+              <a:lnSpc>
+                <a:spcPct val="100000"/>
+              </a:lnSpc>
+              <a:spcBef>
+                <a:spcPts val="0"/>
+              </a:spcBef>
+              <a:spcAft>
+                <a:spcPts val="0"/>
+              </a:spcAft>
+              <a:buClrTx/>
+              <a:buSzTx/>
+              <a:buFontTx/>
+              <a:buNone/>
+              <a:tabLst/>
+              <a:defRPr/>
+            </a:pPr>
+            <a:endParaRPr lang="en-US" dirty="0">
+              <a:solidFill>
+                <a:srgbClr val="FF0000"/>
+              </a:solidFill>
+            </a:endParaRPr>
+          </a:p>
+        </p:txBody>
+      </p:sp>
+      <p:sp>
+        <p:nvSpPr>
+          <p:cNvPr id="4" name="Slide Number Placeholder 3">
+            <a:extLst>
+              <a:ext uri="{FF2B5EF4-FFF2-40B4-BE49-F238E27FC236}">
+                <a16:creationId xmlns:a16="http://schemas.microsoft.com/office/drawing/2014/main" id="{7FDABD26-C31B-5445-A427-F7E1C78E674E}"/>
+              </a:ext>
+            </a:extLst>
+          </p:cNvPr>
+          <p:cNvSpPr>
+            <a:spLocks noGrp="1"/>
+          </p:cNvSpPr>
+          <p:nvPr>
+            <p:ph type="sldNum" sz="quarter" idx="12"/>
+          </p:nvPr>
+        </p:nvSpPr>
+        <p:spPr/>
+        <p:txBody>
+          <a:bodyPr/>
+          <a:lstStyle/>
+          <a:p>
+            <a:fld id="{2352C00A-4D4A-1B4A-BF5A-FD34A7F77AA7}" type="slidenum">
+              <a:rPr lang="en-US" smtClean="0"/>
+              <a:t>31</a:t>
+            </a:fld>
+            <a:endParaRPr lang="en-US"/>
+          </a:p>
+        </p:txBody>
+      </p:sp>
+    </p:spTree>
+    <p:extLst>
+      <p:ext uri="{BB962C8B-B14F-4D97-AF65-F5344CB8AC3E}">
+        <p14:creationId xmlns:p14="http://schemas.microsoft.com/office/powerpoint/2010/main" val="279305537"/>
       </p:ext>
     </p:extLst>
   </p:cSld>
@@ -6713,8 +7711,12 @@
           <a:lstStyle/>
           <a:p>
             <a:r>
-              <a:rPr lang="en-US" dirty="0"/>
-              <a:t>Class/Static Variables</a:t>
+              <a:rPr lang="en-US" dirty="0">
+                <a:solidFill>
+                  <a:srgbClr val="FF0000"/>
+                </a:solidFill>
+              </a:rPr>
+              <a:t>Class/Static Variables (cont.)</a:t>
             </a:r>
           </a:p>
         </p:txBody>
@@ -6732,37 +7734,63 @@
         <p:spPr/>
         <p:txBody>
           <a:bodyPr>
-            <a:normAutofit fontScale="92500" lnSpcReduction="20000"/>
+            <a:normAutofit fontScale="92500" lnSpcReduction="10000"/>
           </a:bodyPr>
           <a:lstStyle/>
           <a:p>
             <a:r>
-              <a:rPr lang="en-US" dirty="0"/>
-              <a:t>Class variables also known as static variables are declared with the static keyword in a class, but outside a method, constructor or a block.</a:t>
-            </a:r>
-          </a:p>
-          <a:p>
-            <a:r>
-              <a:rPr lang="en-US" dirty="0"/>
-              <a:t>There would only be one copy of each class variable per class, regardless of how many objects are created from it.</a:t>
-            </a:r>
-          </a:p>
-          <a:p>
-            <a:r>
-              <a:rPr lang="en-US" dirty="0"/>
-              <a:t>Static variables are rarely used other than being declared as constants. Constants are variables that are declared as public/private, final, and static. Constant variables never change from their initial value.</a:t>
-            </a:r>
-          </a:p>
-          <a:p>
-            <a:r>
-              <a:rPr lang="en-US" dirty="0"/>
-              <a:t>Static variables are stored in the static memory. It is rare to use static variables other than declared final and used as either public or private constants.</a:t>
-            </a:r>
-          </a:p>
-          <a:p>
-            <a:r>
-              <a:rPr lang="en-US" dirty="0"/>
-              <a:t>Static variables are created when the program starts and destroyed when the program stops.</a:t>
+              <a:rPr lang="en-US" dirty="0">
+                <a:solidFill>
+                  <a:srgbClr val="FF0000"/>
+                </a:solidFill>
+              </a:rPr>
+              <a:t>Visibility is similar to instance variables. However, most static variables are declared public since they must be available for users of the class.</a:t>
+            </a:r>
+          </a:p>
+          <a:p>
+            <a:r>
+              <a:rPr lang="en-US" dirty="0">
+                <a:solidFill>
+                  <a:srgbClr val="FF0000"/>
+                </a:solidFill>
+              </a:rPr>
+              <a:t>Default values are same as instance variables. For numbers, the default value is 0; for Booleans, it is false; and for object references, it is null. Values can be assigned during the declaration or within the constructor. Additionally, values can be assigned in special static initializer blocks.</a:t>
+            </a:r>
+          </a:p>
+          <a:p>
+            <a:r>
+              <a:rPr lang="en-US" dirty="0">
+                <a:solidFill>
+                  <a:srgbClr val="FF0000"/>
+                </a:solidFill>
+              </a:rPr>
+              <a:t>Static variables can be accessed by calling with the class name </a:t>
+            </a:r>
+            <a:r>
+              <a:rPr lang="en-US" i="1" dirty="0" err="1">
+                <a:solidFill>
+                  <a:srgbClr val="FF0000"/>
+                </a:solidFill>
+              </a:rPr>
+              <a:t>ClassName.VariableName</a:t>
+            </a:r>
+            <a:r>
+              <a:rPr lang="en-US" dirty="0">
+                <a:solidFill>
+                  <a:srgbClr val="FF0000"/>
+                </a:solidFill>
+              </a:rPr>
+              <a:t>.</a:t>
+            </a:r>
+          </a:p>
+          <a:p>
+            <a:r>
+              <a:rPr lang="en-US" dirty="0">
+                <a:solidFill>
+                  <a:srgbClr val="FF0000"/>
+                </a:solidFill>
+              </a:rPr>
+              <a:t>When declaring class variables as public static final, then variable names (constants) are all in upper case. If the static variables are not public and final, the naming syntax is the same as instance and local variables.</a:t>
             </a:r>
           </a:p>
           <a:p>
@@ -6783,14 +7811,47 @@
               <a:tabLst/>
               <a:defRPr/>
             </a:pPr>
-            <a:endParaRPr lang="en-US" dirty="0"/>
+            <a:endParaRPr lang="en-US" dirty="0">
+              <a:solidFill>
+                <a:srgbClr val="FF0000"/>
+              </a:solidFill>
+            </a:endParaRPr>
+          </a:p>
+        </p:txBody>
+      </p:sp>
+      <p:sp>
+        <p:nvSpPr>
+          <p:cNvPr id="4" name="Slide Number Placeholder 3">
+            <a:extLst>
+              <a:ext uri="{FF2B5EF4-FFF2-40B4-BE49-F238E27FC236}">
+                <a16:creationId xmlns:a16="http://schemas.microsoft.com/office/drawing/2014/main" id="{C79901CC-85E8-FE4E-BE2D-060F006624AB}"/>
+              </a:ext>
+            </a:extLst>
+          </p:cNvPr>
+          <p:cNvSpPr>
+            <a:spLocks noGrp="1"/>
+          </p:cNvSpPr>
+          <p:nvPr>
+            <p:ph type="sldNum" sz="quarter" idx="12"/>
+          </p:nvPr>
+        </p:nvSpPr>
+        <p:spPr/>
+        <p:txBody>
+          <a:bodyPr/>
+          <a:lstStyle/>
+          <a:p>
+            <a:fld id="{2352C00A-4D4A-1B4A-BF5A-FD34A7F77AA7}" type="slidenum">
+              <a:rPr lang="en-US" smtClean="0"/>
+              <a:t>32</a:t>
+            </a:fld>
+            <a:endParaRPr lang="en-US"/>
           </a:p>
         </p:txBody>
       </p:sp>
     </p:spTree>
     <p:extLst>
       <p:ext uri="{BB962C8B-B14F-4D97-AF65-F5344CB8AC3E}">
-        <p14:creationId xmlns:p14="http://schemas.microsoft.com/office/powerpoint/2010/main" val="279305537"/>
+        <p14:creationId xmlns:p14="http://schemas.microsoft.com/office/powerpoint/2010/main" val="1561289009"/>
       </p:ext>
     </p:extLst>
   </p:cSld>
@@ -6835,131 +7896,11 @@
           <a:lstStyle/>
           <a:p>
             <a:r>
-              <a:rPr lang="en-US" dirty="0"/>
-              <a:t>Class/Static Variables (cont.)</a:t>
-            </a:r>
-          </a:p>
-        </p:txBody>
-      </p:sp>
-      <p:sp>
-        <p:nvSpPr>
-          <p:cNvPr id="3" name="Content Placeholder 2"/>
-          <p:cNvSpPr>
-            <a:spLocks noGrp="1"/>
-          </p:cNvSpPr>
-          <p:nvPr>
-            <p:ph idx="1"/>
-          </p:nvPr>
-        </p:nvSpPr>
-        <p:spPr/>
-        <p:txBody>
-          <a:bodyPr>
-            <a:normAutofit fontScale="92500" lnSpcReduction="10000"/>
-          </a:bodyPr>
-          <a:lstStyle/>
-          <a:p>
-            <a:r>
-              <a:rPr lang="en-US" dirty="0"/>
-              <a:t>Visibility is similar to instance variables. However, most static variables are declared public since they must be available for users of the class.</a:t>
-            </a:r>
-          </a:p>
-          <a:p>
-            <a:r>
-              <a:rPr lang="en-US" dirty="0"/>
-              <a:t>Default values are same as instance variables. For numbers, the default value is 0; for Booleans, it is false; and for object references, it is null. Values can be assigned during the declaration or within the constructor. Additionally, values can be assigned in special static initializer blocks.</a:t>
-            </a:r>
-          </a:p>
-          <a:p>
-            <a:r>
-              <a:rPr lang="en-US" dirty="0"/>
-              <a:t>Static variables can be accessed by calling with the class name </a:t>
-            </a:r>
-            <a:r>
-              <a:rPr lang="en-US" i="1" dirty="0" err="1"/>
-              <a:t>ClassName.VariableName</a:t>
-            </a:r>
-            <a:r>
-              <a:rPr lang="en-US" dirty="0"/>
-              <a:t>.</a:t>
-            </a:r>
-          </a:p>
-          <a:p>
-            <a:r>
-              <a:rPr lang="en-US" dirty="0"/>
-              <a:t>When declaring class variables as public static final, then variable names (constants) are all in upper case. If the static variables are not public and final, the naming syntax is the same as instance and local variables.</a:t>
-            </a:r>
-          </a:p>
-          <a:p>
-            <a:pPr marL="0" marR="0" lvl="0" indent="0" defTabSz="914400" eaLnBrk="1" fontAlgn="auto" latinLnBrk="0" hangingPunct="1">
-              <a:lnSpc>
-                <a:spcPct val="100000"/>
-              </a:lnSpc>
-              <a:spcBef>
-                <a:spcPts val="0"/>
-              </a:spcBef>
-              <a:spcAft>
-                <a:spcPts val="0"/>
-              </a:spcAft>
-              <a:buClrTx/>
-              <a:buSzTx/>
-              <a:buFontTx/>
-              <a:buNone/>
-              <a:tabLst/>
-              <a:defRPr/>
-            </a:pPr>
-            <a:endParaRPr lang="en-US" dirty="0"/>
-          </a:p>
-        </p:txBody>
-      </p:sp>
-    </p:spTree>
-    <p:extLst>
-      <p:ext uri="{BB962C8B-B14F-4D97-AF65-F5344CB8AC3E}">
-        <p14:creationId xmlns:p14="http://schemas.microsoft.com/office/powerpoint/2010/main" val="1561289009"/>
-      </p:ext>
-    </p:extLst>
-  </p:cSld>
-  <p:clrMapOvr>
-    <a:masterClrMapping/>
-  </p:clrMapOvr>
-</p:sld>
-</file>
-
-<file path=ppt/slides/slide34.xml><?xml version="1.0" encoding="utf-8"?>
-<p:sld xmlns:a="http://schemas.openxmlformats.org/drawingml/2006/main" xmlns:r="http://schemas.openxmlformats.org/officeDocument/2006/relationships" xmlns:p="http://schemas.openxmlformats.org/presentationml/2006/main">
-  <p:cSld>
-    <p:spTree>
-      <p:nvGrpSpPr>
-        <p:cNvPr id="1" name=""/>
-        <p:cNvGrpSpPr/>
-        <p:nvPr/>
-      </p:nvGrpSpPr>
-      <p:grpSpPr>
-        <a:xfrm>
-          <a:off x="0" y="0"/>
-          <a:ext cx="0" cy="0"/>
-          <a:chOff x="0" y="0"/>
-          <a:chExt cx="0" cy="0"/>
-        </a:xfrm>
-      </p:grpSpPr>
-      <p:sp>
-        <p:nvSpPr>
-          <p:cNvPr id="2" name="Title 1"/>
-          <p:cNvSpPr>
-            <a:spLocks noGrp="1"/>
-          </p:cNvSpPr>
-          <p:nvPr>
-            <p:ph type="title"/>
-          </p:nvPr>
-        </p:nvSpPr>
-        <p:spPr/>
-        <p:txBody>
-          <a:bodyPr>
-            <a:normAutofit/>
-          </a:bodyPr>
-          <a:lstStyle/>
-          <a:p>
-            <a:r>
-              <a:rPr lang="en-US" dirty="0"/>
+              <a:rPr lang="en-US" dirty="0">
+                <a:solidFill>
+                  <a:srgbClr val="FF0000"/>
+                </a:solidFill>
+              </a:rPr>
               <a:t>Class/Static Variables Example</a:t>
             </a:r>
           </a:p>
@@ -7029,6 +7970,35 @@
           </a:ln>
         </p:spPr>
       </p:pic>
+      <p:sp>
+        <p:nvSpPr>
+          <p:cNvPr id="3" name="Slide Number Placeholder 2">
+            <a:extLst>
+              <a:ext uri="{FF2B5EF4-FFF2-40B4-BE49-F238E27FC236}">
+                <a16:creationId xmlns:a16="http://schemas.microsoft.com/office/drawing/2014/main" id="{E9DA2CBB-47F7-384A-9305-D278C16B31FE}"/>
+              </a:ext>
+            </a:extLst>
+          </p:cNvPr>
+          <p:cNvSpPr>
+            <a:spLocks noGrp="1"/>
+          </p:cNvSpPr>
+          <p:nvPr>
+            <p:ph type="sldNum" sz="quarter" idx="12"/>
+          </p:nvPr>
+        </p:nvSpPr>
+        <p:spPr/>
+        <p:txBody>
+          <a:bodyPr/>
+          <a:lstStyle/>
+          <a:p>
+            <a:fld id="{2352C00A-4D4A-1B4A-BF5A-FD34A7F77AA7}" type="slidenum">
+              <a:rPr lang="en-US" smtClean="0"/>
+              <a:t>33</a:t>
+            </a:fld>
+            <a:endParaRPr lang="en-US"/>
+          </a:p>
+        </p:txBody>
+      </p:sp>
     </p:spTree>
     <p:extLst>
       <p:ext uri="{BB962C8B-B14F-4D97-AF65-F5344CB8AC3E}">
@@ -7075,7 +8045,11 @@
           <a:lstStyle/>
           <a:p>
             <a:r>
-              <a:rPr lang="en-US" dirty="0"/>
+              <a:rPr lang="en-US" dirty="0">
+                <a:solidFill>
+                  <a:srgbClr val="FF0000"/>
+                </a:solidFill>
+              </a:rPr>
               <a:t>History of Java</a:t>
             </a:r>
           </a:p>
@@ -7108,7 +8082,11 @@
               <a:buNone/>
             </a:pPr>
             <a:r>
-              <a:rPr lang="en-US" dirty="0"/>
+              <a:rPr lang="en-US" dirty="0">
+                <a:solidFill>
+                  <a:srgbClr val="FF0000"/>
+                </a:solidFill>
+              </a:rPr>
               <a:t>James Gosling initiated Java language project in June 1991 for use in one of his many set-top box projects. The language, initially called ‘Oak’ after an oak tree that stood outside Gosling's office, also went by the name ‘Green’ and ended up later being renamed as Java, from a list of random words.</a:t>
             </a:r>
           </a:p>
@@ -7117,7 +8095,11 @@
               <a:buNone/>
             </a:pPr>
             <a:r>
-              <a:rPr lang="en-US" dirty="0"/>
+              <a:rPr lang="en-US" dirty="0">
+                <a:solidFill>
+                  <a:srgbClr val="FF0000"/>
+                </a:solidFill>
+              </a:rPr>
               <a:t>On 13 November, 2006, Sun released much of Java as free and open source software under the terms of the GNU General Public License (GPL).</a:t>
             </a:r>
           </a:p>
@@ -7126,7 +8108,11 @@
               <a:buNone/>
             </a:pPr>
             <a:r>
-              <a:rPr lang="en-US" dirty="0"/>
+              <a:rPr lang="en-US" dirty="0">
+                <a:solidFill>
+                  <a:srgbClr val="FF0000"/>
+                </a:solidFill>
+              </a:rPr>
               <a:t>On 8 May, 2007, Sun finished the process, making all of Java's core code free and open-source, aside from a small portion of code to which Sun did not hold the copyright.</a:t>
             </a:r>
           </a:p>
@@ -7145,6 +8131,35 @@
                 <a:srgbClr val="FF0000"/>
               </a:solidFill>
             </a:endParaRPr>
+          </a:p>
+        </p:txBody>
+      </p:sp>
+      <p:sp>
+        <p:nvSpPr>
+          <p:cNvPr id="4" name="Slide Number Placeholder 3">
+            <a:extLst>
+              <a:ext uri="{FF2B5EF4-FFF2-40B4-BE49-F238E27FC236}">
+                <a16:creationId xmlns:a16="http://schemas.microsoft.com/office/drawing/2014/main" id="{EE198F65-D682-5248-99BE-B90D7096521D}"/>
+              </a:ext>
+            </a:extLst>
+          </p:cNvPr>
+          <p:cNvSpPr>
+            <a:spLocks noGrp="1"/>
+          </p:cNvSpPr>
+          <p:nvPr>
+            <p:ph type="sldNum" sz="quarter" idx="12"/>
+          </p:nvPr>
+        </p:nvSpPr>
+        <p:spPr/>
+        <p:txBody>
+          <a:bodyPr/>
+          <a:lstStyle/>
+          <a:p>
+            <a:fld id="{2352C00A-4D4A-1B4A-BF5A-FD34A7F77AA7}" type="slidenum">
+              <a:rPr lang="en-US" smtClean="0"/>
+              <a:t>4</a:t>
+            </a:fld>
+            <a:endParaRPr lang="en-US"/>
           </a:p>
         </p:txBody>
       </p:sp>
@@ -7218,7 +8233,11 @@
           <a:lstStyle/>
           <a:p>
             <a:r>
-              <a:rPr lang="en-US" dirty="0"/>
+              <a:rPr lang="en-US" dirty="0">
+                <a:solidFill>
+                  <a:srgbClr val="FF0000"/>
+                </a:solidFill>
+              </a:rPr>
               <a:t>To write your Java programs, you will need a text editor. There are even more sophisticated IDEs available in the market. But for now, you can consider one of the following −</a:t>
             </a:r>
           </a:p>
@@ -7291,6 +8310,35 @@
               <a:defRPr/>
             </a:pPr>
             <a:endParaRPr lang="en-US" dirty="0"/>
+          </a:p>
+        </p:txBody>
+      </p:sp>
+      <p:sp>
+        <p:nvSpPr>
+          <p:cNvPr id="4" name="Slide Number Placeholder 3">
+            <a:extLst>
+              <a:ext uri="{FF2B5EF4-FFF2-40B4-BE49-F238E27FC236}">
+                <a16:creationId xmlns:a16="http://schemas.microsoft.com/office/drawing/2014/main" id="{5C0D601A-DE71-1E48-A8EC-ED8F4E412504}"/>
+              </a:ext>
+            </a:extLst>
+          </p:cNvPr>
+          <p:cNvSpPr>
+            <a:spLocks noGrp="1"/>
+          </p:cNvSpPr>
+          <p:nvPr>
+            <p:ph type="sldNum" sz="quarter" idx="12"/>
+          </p:nvPr>
+        </p:nvSpPr>
+        <p:spPr/>
+        <p:txBody>
+          <a:bodyPr/>
+          <a:lstStyle/>
+          <a:p>
+            <a:fld id="{2352C00A-4D4A-1B4A-BF5A-FD34A7F77AA7}" type="slidenum">
+              <a:rPr lang="en-US" smtClean="0"/>
+              <a:t>5</a:t>
+            </a:fld>
+            <a:endParaRPr lang="en-US"/>
           </a:p>
         </p:txBody>
       </p:sp>
@@ -7414,6 +8462,35 @@
           </a:prstGeom>
         </p:spPr>
       </p:pic>
+      <p:sp>
+        <p:nvSpPr>
+          <p:cNvPr id="5" name="Slide Number Placeholder 4">
+            <a:extLst>
+              <a:ext uri="{FF2B5EF4-FFF2-40B4-BE49-F238E27FC236}">
+                <a16:creationId xmlns:a16="http://schemas.microsoft.com/office/drawing/2014/main" id="{810161A9-8F8D-8048-8643-B7077B60861C}"/>
+              </a:ext>
+            </a:extLst>
+          </p:cNvPr>
+          <p:cNvSpPr>
+            <a:spLocks noGrp="1"/>
+          </p:cNvSpPr>
+          <p:nvPr>
+            <p:ph type="sldNum" sz="quarter" idx="12"/>
+          </p:nvPr>
+        </p:nvSpPr>
+        <p:spPr/>
+        <p:txBody>
+          <a:bodyPr/>
+          <a:lstStyle/>
+          <a:p>
+            <a:fld id="{2352C00A-4D4A-1B4A-BF5A-FD34A7F77AA7}" type="slidenum">
+              <a:rPr lang="en-US" smtClean="0"/>
+              <a:t>6</a:t>
+            </a:fld>
+            <a:endParaRPr lang="en-US"/>
+          </a:p>
+        </p:txBody>
+      </p:sp>
     </p:spTree>
     <p:extLst>
       <p:ext uri="{BB962C8B-B14F-4D97-AF65-F5344CB8AC3E}">
@@ -7511,6 +8588,35 @@
           </a:xfrm>
         </p:spPr>
       </p:pic>
+      <p:sp>
+        <p:nvSpPr>
+          <p:cNvPr id="3" name="Slide Number Placeholder 2">
+            <a:extLst>
+              <a:ext uri="{FF2B5EF4-FFF2-40B4-BE49-F238E27FC236}">
+                <a16:creationId xmlns:a16="http://schemas.microsoft.com/office/drawing/2014/main" id="{407CBC3C-7EB0-6F4D-908B-7CB80E5D88F7}"/>
+              </a:ext>
+            </a:extLst>
+          </p:cNvPr>
+          <p:cNvSpPr>
+            <a:spLocks noGrp="1"/>
+          </p:cNvSpPr>
+          <p:nvPr>
+            <p:ph type="sldNum" sz="quarter" idx="12"/>
+          </p:nvPr>
+        </p:nvSpPr>
+        <p:spPr/>
+        <p:txBody>
+          <a:bodyPr/>
+          <a:lstStyle/>
+          <a:p>
+            <a:fld id="{2352C00A-4D4A-1B4A-BF5A-FD34A7F77AA7}" type="slidenum">
+              <a:rPr lang="en-US" smtClean="0"/>
+              <a:t>7</a:t>
+            </a:fld>
+            <a:endParaRPr lang="en-US"/>
+          </a:p>
+        </p:txBody>
+      </p:sp>
     </p:spTree>
     <p:extLst>
       <p:ext uri="{BB962C8B-B14F-4D97-AF65-F5344CB8AC3E}">
@@ -7649,6 +8755,35 @@
           </a:p>
         </p:txBody>
       </p:sp>
+      <p:sp>
+        <p:nvSpPr>
+          <p:cNvPr id="4" name="Slide Number Placeholder 3">
+            <a:extLst>
+              <a:ext uri="{FF2B5EF4-FFF2-40B4-BE49-F238E27FC236}">
+                <a16:creationId xmlns:a16="http://schemas.microsoft.com/office/drawing/2014/main" id="{EACF12C2-6D97-6742-9BFF-B9602CEADD11}"/>
+              </a:ext>
+            </a:extLst>
+          </p:cNvPr>
+          <p:cNvSpPr>
+            <a:spLocks noGrp="1"/>
+          </p:cNvSpPr>
+          <p:nvPr>
+            <p:ph type="sldNum" sz="quarter" idx="12"/>
+          </p:nvPr>
+        </p:nvSpPr>
+        <p:spPr/>
+        <p:txBody>
+          <a:bodyPr/>
+          <a:lstStyle/>
+          <a:p>
+            <a:fld id="{2352C00A-4D4A-1B4A-BF5A-FD34A7F77AA7}" type="slidenum">
+              <a:rPr lang="en-US" smtClean="0"/>
+              <a:t>8</a:t>
+            </a:fld>
+            <a:endParaRPr lang="en-US"/>
+          </a:p>
+        </p:txBody>
+      </p:sp>
     </p:spTree>
     <p:extLst>
       <p:ext uri="{BB962C8B-B14F-4D97-AF65-F5344CB8AC3E}">
@@ -7780,6 +8915,35 @@
               <a:buNone/>
             </a:pPr>
             <a:endParaRPr lang="en-US" dirty="0"/>
+          </a:p>
+        </p:txBody>
+      </p:sp>
+      <p:sp>
+        <p:nvSpPr>
+          <p:cNvPr id="4" name="Slide Number Placeholder 3">
+            <a:extLst>
+              <a:ext uri="{FF2B5EF4-FFF2-40B4-BE49-F238E27FC236}">
+                <a16:creationId xmlns:a16="http://schemas.microsoft.com/office/drawing/2014/main" id="{4D161DD3-19AA-AD46-AB8E-0AF0AF7AB942}"/>
+              </a:ext>
+            </a:extLst>
+          </p:cNvPr>
+          <p:cNvSpPr>
+            <a:spLocks noGrp="1"/>
+          </p:cNvSpPr>
+          <p:nvPr>
+            <p:ph type="sldNum" sz="quarter" idx="12"/>
+          </p:nvPr>
+        </p:nvSpPr>
+        <p:spPr/>
+        <p:txBody>
+          <a:bodyPr/>
+          <a:lstStyle/>
+          <a:p>
+            <a:fld id="{2352C00A-4D4A-1B4A-BF5A-FD34A7F77AA7}" type="slidenum">
+              <a:rPr lang="en-US" smtClean="0"/>
+              <a:t>9</a:t>
+            </a:fld>
+            <a:endParaRPr lang="en-US"/>
           </a:p>
         </p:txBody>
       </p:sp>
